--- a/database/10강 MySQL Procedure.pptx
+++ b/database/10강 MySQL Procedure.pptx
@@ -315,7 +315,7 @@
                 </a:solidFill>
               </a:rPr>
               <a:pPr/>
-              <a:t>2022-06-07</a:t>
+              <a:t>2022-06-10</a:t>
             </a:fld>
             <a:endParaRPr lang="ko-KR" altLang="en-US">
               <a:solidFill>
@@ -545,7 +545,7 @@
                 </a:solidFill>
               </a:rPr>
               <a:pPr/>
-              <a:t>2022-06-07</a:t>
+              <a:t>2022-06-10</a:t>
             </a:fld>
             <a:endParaRPr lang="ko-KR" altLang="en-US">
               <a:solidFill>
@@ -785,7 +785,7 @@
                 </a:solidFill>
               </a:rPr>
               <a:pPr/>
-              <a:t>2022-06-07</a:t>
+              <a:t>2022-06-10</a:t>
             </a:fld>
             <a:endParaRPr lang="ko-KR" altLang="en-US">
               <a:solidFill>
@@ -1017,7 +1017,7 @@
                 <a:latin typeface="맑은 고딕" charset="0"/>
                 <a:ea typeface="맑은 고딕" charset="0"/>
               </a:rPr>
-              <a:t>2022-06-07</a:t>
+              <a:t>2022-06-10</a:t>
             </a:fld>
             <a:endParaRPr lang="ko-KR" altLang="en-US">
               <a:solidFill>
@@ -1296,7 +1296,7 @@
                 <a:latin typeface="맑은 고딕" charset="0"/>
                 <a:ea typeface="맑은 고딕" charset="0"/>
               </a:rPr>
-              <a:t>2022-06-07</a:t>
+              <a:t>2022-06-10</a:t>
             </a:fld>
             <a:endParaRPr lang="ko-KR" altLang="en-US">
               <a:solidFill>
@@ -1538,7 +1538,7 @@
                 <a:latin typeface="맑은 고딕" charset="0"/>
                 <a:ea typeface="맑은 고딕" charset="0"/>
               </a:rPr>
-              <a:t>2022-06-07</a:t>
+              <a:t>2022-06-10</a:t>
             </a:fld>
             <a:endParaRPr lang="ko-KR" altLang="en-US">
               <a:solidFill>
@@ -1893,7 +1893,7 @@
                 <a:latin typeface="맑은 고딕" charset="0"/>
                 <a:ea typeface="맑은 고딕" charset="0"/>
               </a:rPr>
-              <a:t>2022-06-07</a:t>
+              <a:t>2022-06-10</a:t>
             </a:fld>
             <a:endParaRPr lang="ko-KR" altLang="en-US">
               <a:solidFill>
@@ -2326,7 +2326,7 @@
                 <a:latin typeface="맑은 고딕" charset="0"/>
                 <a:ea typeface="맑은 고딕" charset="0"/>
               </a:rPr>
-              <a:t>2022-06-07</a:t>
+              <a:t>2022-06-10</a:t>
             </a:fld>
             <a:endParaRPr lang="ko-KR" altLang="en-US">
               <a:solidFill>
@@ -2529,7 +2529,7 @@
                 <a:latin typeface="맑은 고딕" charset="0"/>
                 <a:ea typeface="맑은 고딕" charset="0"/>
               </a:rPr>
-              <a:t>2022-06-07</a:t>
+              <a:t>2022-06-10</a:t>
             </a:fld>
             <a:endParaRPr lang="ko-KR" altLang="en-US">
               <a:solidFill>
@@ -2693,7 +2693,7 @@
                 <a:latin typeface="맑은 고딕" charset="0"/>
                 <a:ea typeface="맑은 고딕" charset="0"/>
               </a:rPr>
-              <a:t>2022-06-07</a:t>
+              <a:t>2022-06-10</a:t>
             </a:fld>
             <a:endParaRPr lang="ko-KR" altLang="en-US">
               <a:solidFill>
@@ -3011,7 +3011,7 @@
                 <a:latin typeface="맑은 고딕" charset="0"/>
                 <a:ea typeface="맑은 고딕" charset="0"/>
               </a:rPr>
-              <a:t>2022-06-07</a:t>
+              <a:t>2022-06-10</a:t>
             </a:fld>
             <a:endParaRPr lang="ko-KR" altLang="en-US">
               <a:solidFill>
@@ -3251,7 +3251,7 @@
                 </a:solidFill>
               </a:rPr>
               <a:pPr/>
-              <a:t>2022-06-07</a:t>
+              <a:t>2022-06-10</a:t>
             </a:fld>
             <a:endParaRPr lang="ko-KR" altLang="en-US">
               <a:solidFill>
@@ -3503,7 +3503,7 @@
                 <a:latin typeface="맑은 고딕" charset="0"/>
                 <a:ea typeface="맑은 고딕" charset="0"/>
               </a:rPr>
-              <a:t>2022-06-07</a:t>
+              <a:t>2022-06-10</a:t>
             </a:fld>
             <a:endParaRPr lang="ko-KR" altLang="en-US">
               <a:solidFill>
@@ -3782,7 +3782,7 @@
                 <a:latin typeface="맑은 고딕" charset="0"/>
                 <a:ea typeface="맑은 고딕" charset="0"/>
               </a:rPr>
-              <a:t>2022-06-07</a:t>
+              <a:t>2022-06-10</a:t>
             </a:fld>
             <a:endParaRPr lang="ko-KR" altLang="en-US">
               <a:solidFill>
@@ -4061,7 +4061,7 @@
                 <a:latin typeface="맑은 고딕" charset="0"/>
                 <a:ea typeface="맑은 고딕" charset="0"/>
               </a:rPr>
-              <a:t>2022-06-07</a:t>
+              <a:t>2022-06-10</a:t>
             </a:fld>
             <a:endParaRPr lang="ko-KR" altLang="en-US">
               <a:solidFill>
@@ -4378,7 +4378,7 @@
                 </a:solidFill>
               </a:rPr>
               <a:pPr/>
-              <a:t>2022-06-07</a:t>
+              <a:t>2022-06-10</a:t>
             </a:fld>
             <a:endParaRPr lang="ko-KR" altLang="en-US">
               <a:solidFill>
@@ -4675,7 +4675,7 @@
                 </a:solidFill>
               </a:rPr>
               <a:pPr/>
-              <a:t>2022-06-07</a:t>
+              <a:t>2022-06-10</a:t>
             </a:fld>
             <a:endParaRPr lang="ko-KR" altLang="en-US">
               <a:solidFill>
@@ -5119,7 +5119,7 @@
                 </a:solidFill>
               </a:rPr>
               <a:pPr/>
-              <a:t>2022-06-07</a:t>
+              <a:t>2022-06-10</a:t>
             </a:fld>
             <a:endParaRPr lang="ko-KR" altLang="en-US">
               <a:solidFill>
@@ -5292,7 +5292,7 @@
                 </a:solidFill>
               </a:rPr>
               <a:pPr/>
-              <a:t>2022-06-07</a:t>
+              <a:t>2022-06-10</a:t>
             </a:fld>
             <a:endParaRPr lang="ko-KR" altLang="en-US">
               <a:solidFill>
@@ -5437,7 +5437,7 @@
                 </a:solidFill>
               </a:rPr>
               <a:pPr/>
-              <a:t>2022-06-07</a:t>
+              <a:t>2022-06-10</a:t>
             </a:fld>
             <a:endParaRPr lang="ko-KR" altLang="en-US">
               <a:solidFill>
@@ -6806,7 +6806,7 @@
                 </a:solidFill>
               </a:rPr>
               <a:pPr/>
-              <a:t>2022-06-07</a:t>
+              <a:t>2022-06-10</a:t>
             </a:fld>
             <a:endParaRPr lang="ko-KR" altLang="en-US">
               <a:solidFill>
@@ -7126,7 +7126,7 @@
                 </a:solidFill>
               </a:rPr>
               <a:pPr/>
-              <a:t>2022-06-07</a:t>
+              <a:t>2022-06-10</a:t>
             </a:fld>
             <a:endParaRPr lang="ko-KR" altLang="en-US">
               <a:solidFill>
@@ -7399,7 +7399,7 @@
                 </a:solidFill>
               </a:rPr>
               <a:pPr/>
-              <a:t>2022-06-07</a:t>
+              <a:t>2022-06-10</a:t>
             </a:fld>
             <a:endParaRPr lang="ko-KR" altLang="en-US">
               <a:solidFill>
@@ -8000,7 +8000,7 @@
                 <a:latin typeface="맑은 고딕" charset="0"/>
                 <a:ea typeface="맑은 고딕" charset="0"/>
               </a:rPr>
-              <a:t>2022-06-07</a:t>
+              <a:t>2022-06-10</a:t>
             </a:fld>
             <a:endParaRPr lang="ko-KR" altLang="en-US">
               <a:solidFill>
@@ -8240,11 +8240,7 @@
             </a:r>
             <a:r>
               <a:rPr lang="en-US" altLang="ko-KR" sz="4000" dirty="0" smtClean="0"/>
-              <a:t>Function &amp; </a:t>
-            </a:r>
-            <a:r>
-              <a:rPr lang="en-US" altLang="ko-KR" sz="4000" dirty="0" smtClean="0"/>
-              <a:t>Procedure</a:t>
+              <a:t>Function &amp; Procedure</a:t>
             </a:r>
             <a:endParaRPr lang="ko-KR" altLang="en-US" sz="4000" dirty="0"/>
           </a:p>
@@ -10669,7 +10665,6 @@
               <a:rPr lang="en-US" altLang="ko-KR" sz="2400" dirty="0" smtClean="0"/>
               <a:t>1</a:t>
             </a:r>
-            <a:endParaRPr lang="en-US" altLang="ko-KR" sz="2400" dirty="0" smtClean="0"/>
           </a:p>
           <a:p>
             <a:pPr marL="0" indent="0">
@@ -12061,7 +12056,6 @@
               <a:rPr lang="en-US" altLang="ko-KR" sz="2400" dirty="0"/>
               <a:t>DELIMITER ;</a:t>
             </a:r>
-            <a:endParaRPr lang="en-US" altLang="ko-KR" sz="2400" dirty="0"/>
           </a:p>
         </p:txBody>
       </p:sp>
@@ -13074,6 +13068,18 @@
               <a:t>파라미터를</a:t>
             </a:r>
             <a:r>
+              <a:rPr lang="en-US" altLang="ko-KR" sz="2400" dirty="0" smtClean="0"/>
+              <a:t>(</a:t>
+            </a:r>
+            <a:r>
+              <a:rPr lang="en-US" altLang="ko-KR" sz="2400" dirty="0" err="1" smtClean="0"/>
+              <a:t>int</a:t>
+            </a:r>
+            <a:r>
+              <a:rPr lang="en-US" altLang="ko-KR" sz="2400" dirty="0" smtClean="0"/>
+              <a:t>)</a:t>
+            </a:r>
+            <a:r>
               <a:rPr lang="ko-KR" altLang="en-US" sz="2400" dirty="0" smtClean="0"/>
               <a:t> </a:t>
             </a:r>
@@ -13193,7 +13199,23 @@
             </a:r>
             <a:r>
               <a:rPr lang="ko-KR" altLang="en-US" sz="2400" dirty="0" smtClean="0"/>
-              <a:t>인자를 받아 부서에 해당하는 사람이 몇 명인지 </a:t>
+              <a:t>인자를</a:t>
+            </a:r>
+            <a:r>
+              <a:rPr lang="en-US" altLang="ko-KR" sz="2400" dirty="0" smtClean="0"/>
+              <a:t>(</a:t>
+            </a:r>
+            <a:r>
+              <a:rPr lang="en-US" altLang="ko-KR" sz="2400" dirty="0" smtClean="0"/>
+              <a:t>varchar(20))</a:t>
+            </a:r>
+            <a:r>
+              <a:rPr lang="ko-KR" altLang="en-US" sz="2400" dirty="0" smtClean="0"/>
+              <a:t> </a:t>
+            </a:r>
+            <a:r>
+              <a:rPr lang="ko-KR" altLang="en-US" sz="2400" dirty="0" smtClean="0"/>
+              <a:t>받아 부서에 해당하는 사람이 몇 명인지 </a:t>
             </a:r>
             <a:r>
               <a:rPr lang="en-US" altLang="ko-KR" sz="2400" dirty="0" err="1" smtClean="0"/>
@@ -13251,8 +13273,8 @@
               <a:t>인원수를 </a:t>
             </a:r>
             <a:r>
-              <a:rPr lang="ko-KR" altLang="en-US" sz="2400" dirty="0" err="1" smtClean="0"/>
-              <a:t>출력하시오</a:t>
+              <a:rPr lang="ko-KR" altLang="en-US" sz="2400" dirty="0" smtClean="0"/>
+              <a:t>출력 하시오</a:t>
             </a:r>
             <a:r>
               <a:rPr lang="en-US" altLang="ko-KR" sz="2400" dirty="0" smtClean="0"/>

--- a/database/10강 MySQL Procedure.pptx
+++ b/database/10강 MySQL Procedure.pptx
@@ -14,11 +14,14 @@
     <p:sldId id="409" r:id="rId8"/>
     <p:sldId id="410" r:id="rId9"/>
     <p:sldId id="411" r:id="rId10"/>
-    <p:sldId id="412" r:id="rId11"/>
-    <p:sldId id="413" r:id="rId12"/>
-    <p:sldId id="414" r:id="rId13"/>
-    <p:sldId id="415" r:id="rId14"/>
-    <p:sldId id="416" r:id="rId15"/>
+    <p:sldId id="419" r:id="rId11"/>
+    <p:sldId id="412" r:id="rId12"/>
+    <p:sldId id="413" r:id="rId13"/>
+    <p:sldId id="414" r:id="rId14"/>
+    <p:sldId id="415" r:id="rId15"/>
+    <p:sldId id="417" r:id="rId16"/>
+    <p:sldId id="418" r:id="rId17"/>
+    <p:sldId id="416" r:id="rId18"/>
   </p:sldIdLst>
   <p:sldSz cx="12192000" cy="6858000"/>
   <p:notesSz cx="6858000" cy="9144000"/>
@@ -134,10 +137,13 @@
             <p14:sldId id="409"/>
             <p14:sldId id="410"/>
             <p14:sldId id="411"/>
+            <p14:sldId id="419"/>
             <p14:sldId id="412"/>
             <p14:sldId id="413"/>
             <p14:sldId id="414"/>
             <p14:sldId id="415"/>
+            <p14:sldId id="417"/>
+            <p14:sldId id="418"/>
             <p14:sldId id="416"/>
           </p14:sldIdLst>
         </p14:section>
@@ -315,7 +321,7 @@
                 </a:solidFill>
               </a:rPr>
               <a:pPr/>
-              <a:t>2022-06-10</a:t>
+              <a:t>2022-06-14</a:t>
             </a:fld>
             <a:endParaRPr lang="ko-KR" altLang="en-US">
               <a:solidFill>
@@ -545,7 +551,7 @@
                 </a:solidFill>
               </a:rPr>
               <a:pPr/>
-              <a:t>2022-06-10</a:t>
+              <a:t>2022-06-14</a:t>
             </a:fld>
             <a:endParaRPr lang="ko-KR" altLang="en-US">
               <a:solidFill>
@@ -785,7 +791,7 @@
                 </a:solidFill>
               </a:rPr>
               <a:pPr/>
-              <a:t>2022-06-10</a:t>
+              <a:t>2022-06-14</a:t>
             </a:fld>
             <a:endParaRPr lang="ko-KR" altLang="en-US">
               <a:solidFill>
@@ -1017,7 +1023,7 @@
                 <a:latin typeface="맑은 고딕" charset="0"/>
                 <a:ea typeface="맑은 고딕" charset="0"/>
               </a:rPr>
-              <a:t>2022-06-10</a:t>
+              <a:t>2022-06-14</a:t>
             </a:fld>
             <a:endParaRPr lang="ko-KR" altLang="en-US">
               <a:solidFill>
@@ -1296,7 +1302,7 @@
                 <a:latin typeface="맑은 고딕" charset="0"/>
                 <a:ea typeface="맑은 고딕" charset="0"/>
               </a:rPr>
-              <a:t>2022-06-10</a:t>
+              <a:t>2022-06-14</a:t>
             </a:fld>
             <a:endParaRPr lang="ko-KR" altLang="en-US">
               <a:solidFill>
@@ -1538,7 +1544,7 @@
                 <a:latin typeface="맑은 고딕" charset="0"/>
                 <a:ea typeface="맑은 고딕" charset="0"/>
               </a:rPr>
-              <a:t>2022-06-10</a:t>
+              <a:t>2022-06-14</a:t>
             </a:fld>
             <a:endParaRPr lang="ko-KR" altLang="en-US">
               <a:solidFill>
@@ -1893,7 +1899,7 @@
                 <a:latin typeface="맑은 고딕" charset="0"/>
                 <a:ea typeface="맑은 고딕" charset="0"/>
               </a:rPr>
-              <a:t>2022-06-10</a:t>
+              <a:t>2022-06-14</a:t>
             </a:fld>
             <a:endParaRPr lang="ko-KR" altLang="en-US">
               <a:solidFill>
@@ -2326,7 +2332,7 @@
                 <a:latin typeface="맑은 고딕" charset="0"/>
                 <a:ea typeface="맑은 고딕" charset="0"/>
               </a:rPr>
-              <a:t>2022-06-10</a:t>
+              <a:t>2022-06-14</a:t>
             </a:fld>
             <a:endParaRPr lang="ko-KR" altLang="en-US">
               <a:solidFill>
@@ -2529,7 +2535,7 @@
                 <a:latin typeface="맑은 고딕" charset="0"/>
                 <a:ea typeface="맑은 고딕" charset="0"/>
               </a:rPr>
-              <a:t>2022-06-10</a:t>
+              <a:t>2022-06-14</a:t>
             </a:fld>
             <a:endParaRPr lang="ko-KR" altLang="en-US">
               <a:solidFill>
@@ -2693,7 +2699,7 @@
                 <a:latin typeface="맑은 고딕" charset="0"/>
                 <a:ea typeface="맑은 고딕" charset="0"/>
               </a:rPr>
-              <a:t>2022-06-10</a:t>
+              <a:t>2022-06-14</a:t>
             </a:fld>
             <a:endParaRPr lang="ko-KR" altLang="en-US">
               <a:solidFill>
@@ -3011,7 +3017,7 @@
                 <a:latin typeface="맑은 고딕" charset="0"/>
                 <a:ea typeface="맑은 고딕" charset="0"/>
               </a:rPr>
-              <a:t>2022-06-10</a:t>
+              <a:t>2022-06-14</a:t>
             </a:fld>
             <a:endParaRPr lang="ko-KR" altLang="en-US">
               <a:solidFill>
@@ -3251,7 +3257,7 @@
                 </a:solidFill>
               </a:rPr>
               <a:pPr/>
-              <a:t>2022-06-10</a:t>
+              <a:t>2022-06-14</a:t>
             </a:fld>
             <a:endParaRPr lang="ko-KR" altLang="en-US">
               <a:solidFill>
@@ -3503,7 +3509,7 @@
                 <a:latin typeface="맑은 고딕" charset="0"/>
                 <a:ea typeface="맑은 고딕" charset="0"/>
               </a:rPr>
-              <a:t>2022-06-10</a:t>
+              <a:t>2022-06-14</a:t>
             </a:fld>
             <a:endParaRPr lang="ko-KR" altLang="en-US">
               <a:solidFill>
@@ -3782,7 +3788,7 @@
                 <a:latin typeface="맑은 고딕" charset="0"/>
                 <a:ea typeface="맑은 고딕" charset="0"/>
               </a:rPr>
-              <a:t>2022-06-10</a:t>
+              <a:t>2022-06-14</a:t>
             </a:fld>
             <a:endParaRPr lang="ko-KR" altLang="en-US">
               <a:solidFill>
@@ -4061,7 +4067,7 @@
                 <a:latin typeface="맑은 고딕" charset="0"/>
                 <a:ea typeface="맑은 고딕" charset="0"/>
               </a:rPr>
-              <a:t>2022-06-10</a:t>
+              <a:t>2022-06-14</a:t>
             </a:fld>
             <a:endParaRPr lang="ko-KR" altLang="en-US">
               <a:solidFill>
@@ -4378,7 +4384,7 @@
                 </a:solidFill>
               </a:rPr>
               <a:pPr/>
-              <a:t>2022-06-10</a:t>
+              <a:t>2022-06-14</a:t>
             </a:fld>
             <a:endParaRPr lang="ko-KR" altLang="en-US">
               <a:solidFill>
@@ -4675,7 +4681,7 @@
                 </a:solidFill>
               </a:rPr>
               <a:pPr/>
-              <a:t>2022-06-10</a:t>
+              <a:t>2022-06-14</a:t>
             </a:fld>
             <a:endParaRPr lang="ko-KR" altLang="en-US">
               <a:solidFill>
@@ -5119,7 +5125,7 @@
                 </a:solidFill>
               </a:rPr>
               <a:pPr/>
-              <a:t>2022-06-10</a:t>
+              <a:t>2022-06-14</a:t>
             </a:fld>
             <a:endParaRPr lang="ko-KR" altLang="en-US">
               <a:solidFill>
@@ -5292,7 +5298,7 @@
                 </a:solidFill>
               </a:rPr>
               <a:pPr/>
-              <a:t>2022-06-10</a:t>
+              <a:t>2022-06-14</a:t>
             </a:fld>
             <a:endParaRPr lang="ko-KR" altLang="en-US">
               <a:solidFill>
@@ -5437,7 +5443,7 @@
                 </a:solidFill>
               </a:rPr>
               <a:pPr/>
-              <a:t>2022-06-10</a:t>
+              <a:t>2022-06-14</a:t>
             </a:fld>
             <a:endParaRPr lang="ko-KR" altLang="en-US">
               <a:solidFill>
@@ -6806,7 +6812,7 @@
                 </a:solidFill>
               </a:rPr>
               <a:pPr/>
-              <a:t>2022-06-10</a:t>
+              <a:t>2022-06-14</a:t>
             </a:fld>
             <a:endParaRPr lang="ko-KR" altLang="en-US">
               <a:solidFill>
@@ -7126,7 +7132,7 @@
                 </a:solidFill>
               </a:rPr>
               <a:pPr/>
-              <a:t>2022-06-10</a:t>
+              <a:t>2022-06-14</a:t>
             </a:fld>
             <a:endParaRPr lang="ko-KR" altLang="en-US">
               <a:solidFill>
@@ -7399,7 +7405,7 @@
                 </a:solidFill>
               </a:rPr>
               <a:pPr/>
-              <a:t>2022-06-10</a:t>
+              <a:t>2022-06-14</a:t>
             </a:fld>
             <a:endParaRPr lang="ko-KR" altLang="en-US">
               <a:solidFill>
@@ -8000,7 +8006,7 @@
                 <a:latin typeface="맑은 고딕" charset="0"/>
                 <a:ea typeface="맑은 고딕" charset="0"/>
               </a:rPr>
-              <a:t>2022-06-10</a:t>
+              <a:t>2022-06-14</a:t>
             </a:fld>
             <a:endParaRPr lang="ko-KR" altLang="en-US">
               <a:solidFill>
@@ -8275,6 +8281,13 @@
   <p:clrMapOvr>
     <a:masterClrMapping/>
   </p:clrMapOvr>
+  <p:timing>
+    <p:tnLst>
+      <p:par>
+        <p:cTn id="1" dur="indefinite" restart="never" nodeType="tmRoot"/>
+      </p:par>
+    </p:tnLst>
+  </p:timing>
 </p:sld>
 </file>
 
@@ -8306,7 +8319,7 @@
         <p:spPr>
           <a:xfrm>
             <a:off x="765868" y="316230"/>
-            <a:ext cx="1239314" cy="454292"/>
+            <a:ext cx="1082348" cy="454292"/>
           </a:xfrm>
           <a:prstGeom prst="rect">
             <a:avLst/>
@@ -8335,7 +8348,7 @@
                   <a:schemeClr val="bg1"/>
                 </a:solidFill>
               </a:rPr>
-              <a:t>Procedure</a:t>
+              <a:t>Function</a:t>
             </a:r>
             <a:endParaRPr lang="ko-KR" altLang="en-US" dirty="0">
               <a:solidFill>
@@ -8347,7 +8360,7 @@
       </p:sp>
       <p:sp>
         <p:nvSpPr>
-          <p:cNvPr id="4" name="내용 개체 틀 2"/>
+          <p:cNvPr id="7" name="내용 개체 틀 2"/>
           <p:cNvSpPr txBox="1">
             <a:spLocks/>
           </p:cNvSpPr>
@@ -8533,145 +8546,142 @@
               <a:buNone/>
             </a:pPr>
             <a:r>
+              <a:rPr lang="ko-KR" altLang="en-US" sz="2400" dirty="0" smtClean="0"/>
+              <a:t>실습 </a:t>
+            </a:r>
+            <a:r>
+              <a:rPr lang="en-US" altLang="ko-KR" sz="2400" dirty="0" smtClean="0"/>
+              <a:t>1. </a:t>
+            </a:r>
+            <a:r>
+              <a:rPr lang="ko-KR" altLang="en-US" sz="2400" dirty="0" err="1" smtClean="0"/>
+              <a:t>파라미터를</a:t>
+            </a:r>
+            <a:r>
+              <a:rPr lang="en-US" altLang="ko-KR" sz="2400" dirty="0" smtClean="0"/>
+              <a:t>(</a:t>
+            </a:r>
+            <a:r>
               <a:rPr lang="en-US" altLang="ko-KR" sz="2400" dirty="0" err="1" smtClean="0"/>
-              <a:t>Procdure</a:t>
-            </a:r>
-            <a:r>
-              <a:rPr lang="en-US" altLang="ko-KR" sz="2400" dirty="0" smtClean="0"/>
-              <a:t> (</a:t>
-            </a:r>
-            <a:r>
-              <a:rPr lang="ko-KR" altLang="en-US" sz="2400" dirty="0" smtClean="0"/>
-              <a:t>프로시저</a:t>
+              <a:t>int</a:t>
             </a:r>
             <a:r>
               <a:rPr lang="en-US" altLang="ko-KR" sz="2400" dirty="0" smtClean="0"/>
               <a:t>)</a:t>
             </a:r>
+            <a:r>
+              <a:rPr lang="ko-KR" altLang="en-US" sz="2400" dirty="0" smtClean="0"/>
+              <a:t> </a:t>
+            </a:r>
+            <a:r>
+              <a:rPr lang="en-US" altLang="ko-KR" sz="2400" dirty="0" smtClean="0"/>
+              <a:t>2</a:t>
+            </a:r>
+            <a:r>
+              <a:rPr lang="ko-KR" altLang="en-US" sz="2400" dirty="0" smtClean="0"/>
+              <a:t>개 받아 곱한 결과를 반환하는 함수를 작성 하시오</a:t>
+            </a:r>
+            <a:r>
+              <a:rPr lang="en-US" altLang="ko-KR" sz="2400" dirty="0" smtClean="0"/>
+              <a:t>.</a:t>
+            </a:r>
           </a:p>
           <a:p>
             <a:pPr marL="0" indent="0">
               <a:buNone/>
             </a:pPr>
-            <a:r>
-              <a:rPr lang="en-US" altLang="ko-KR" sz="2400" dirty="0"/>
+            <a:endParaRPr lang="en-US" altLang="ko-KR" sz="2400" dirty="0"/>
+          </a:p>
+          <a:p>
+            <a:pPr marL="0" indent="0">
+              <a:buNone/>
+            </a:pPr>
+            <a:r>
+              <a:rPr lang="ko-KR" altLang="en-US" sz="2400" dirty="0" smtClean="0"/>
+              <a:t>실습 </a:t>
+            </a:r>
+            <a:r>
+              <a:rPr lang="en-US" altLang="ko-KR" sz="2400" dirty="0" smtClean="0"/>
+              <a:t>2. </a:t>
+            </a:r>
+            <a:r>
+              <a:rPr lang="ko-KR" altLang="en-US" sz="2400" dirty="0" err="1" smtClean="0"/>
+              <a:t>파라미터를</a:t>
+            </a:r>
+            <a:r>
+              <a:rPr lang="ko-KR" altLang="en-US" sz="2400" dirty="0" smtClean="0"/>
               <a:t> </a:t>
             </a:r>
             <a:r>
               <a:rPr lang="en-US" altLang="ko-KR" sz="2400" dirty="0" smtClean="0"/>
-              <a:t>- </a:t>
+              <a:t>1</a:t>
             </a:r>
             <a:r>
               <a:rPr lang="ko-KR" altLang="en-US" sz="2400" dirty="0" smtClean="0"/>
-              <a:t>여러 쿼리를 한번에 실행</a:t>
-            </a:r>
-            <a:endParaRPr lang="en-US" altLang="ko-KR" sz="2400" dirty="0" smtClean="0"/>
-          </a:p>
-          <a:p>
-            <a:pPr marL="0" indent="0">
-              <a:buNone/>
-            </a:pPr>
-            <a:r>
-              <a:rPr lang="en-US" altLang="ko-KR" sz="2400" dirty="0"/>
-              <a:t> </a:t>
-            </a:r>
-            <a:r>
-              <a:rPr lang="en-US" altLang="ko-KR" sz="2400" dirty="0" smtClean="0"/>
-              <a:t>- </a:t>
-            </a:r>
-            <a:r>
-              <a:rPr lang="ko-KR" altLang="en-US" sz="2400" dirty="0" err="1" smtClean="0"/>
-              <a:t>파라미터는</a:t>
-            </a:r>
-            <a:r>
-              <a:rPr lang="ko-KR" altLang="en-US" sz="2400" dirty="0" smtClean="0"/>
-              <a:t> 선택</a:t>
-            </a:r>
-            <a:endParaRPr lang="en-US" altLang="ko-KR" sz="2400" dirty="0" smtClean="0"/>
-          </a:p>
-          <a:p>
-            <a:pPr marL="0" indent="0">
-              <a:buNone/>
-            </a:pPr>
-            <a:r>
-              <a:rPr lang="en-US" altLang="ko-KR" sz="2400" dirty="0"/>
-              <a:t> </a:t>
-            </a:r>
-            <a:r>
-              <a:rPr lang="en-US" altLang="ko-KR" sz="2400" dirty="0" smtClean="0"/>
-              <a:t>- </a:t>
-            </a:r>
-            <a:r>
-              <a:rPr lang="ko-KR" altLang="en-US" sz="2400" dirty="0" smtClean="0"/>
-              <a:t>기본 유형</a:t>
-            </a:r>
-            <a:endParaRPr lang="en-US" altLang="ko-KR" sz="2400" dirty="0" smtClean="0"/>
-          </a:p>
-          <a:p>
-            <a:pPr marL="0" indent="0">
-              <a:buNone/>
-            </a:pPr>
-            <a:r>
-              <a:rPr lang="en-US" altLang="ko-KR" sz="2400" dirty="0" smtClean="0"/>
-              <a:t>DELIMITER //</a:t>
-            </a:r>
-          </a:p>
-          <a:p>
-            <a:pPr marL="0" indent="0">
-              <a:buNone/>
-            </a:pPr>
-            <a:r>
-              <a:rPr lang="en-US" altLang="ko-KR" sz="2400" dirty="0" smtClean="0"/>
-              <a:t>CREATE PROCEDURE </a:t>
-            </a:r>
-            <a:r>
-              <a:rPr lang="ko-KR" altLang="en-US" sz="2400" dirty="0" err="1" smtClean="0"/>
-              <a:t>프로시저명</a:t>
+              <a:t>개</a:t>
             </a:r>
             <a:r>
               <a:rPr lang="en-US" altLang="ko-KR" sz="2400" dirty="0" smtClean="0"/>
               <a:t>(</a:t>
             </a:r>
-          </a:p>
-          <a:p>
-            <a:pPr marL="0" indent="0">
-              <a:buNone/>
-            </a:pPr>
+            <a:r>
+              <a:rPr lang="en-US" altLang="ko-KR" sz="2400" dirty="0" err="1" smtClean="0"/>
+              <a:t>int</a:t>
+            </a:r>
+            <a:r>
+              <a:rPr lang="en-US" altLang="ko-KR" sz="2400" dirty="0" smtClean="0"/>
+              <a:t>)</a:t>
+            </a:r>
+            <a:r>
+              <a:rPr lang="ko-KR" altLang="en-US" sz="2400" dirty="0" smtClean="0"/>
+              <a:t> 받아 </a:t>
+            </a:r>
+            <a:r>
+              <a:rPr lang="en-US" altLang="ko-KR" sz="2400" dirty="0" smtClean="0"/>
+              <a:t>customer </a:t>
+            </a:r>
+            <a:r>
+              <a:rPr lang="ko-KR" altLang="en-US" sz="2400" dirty="0" smtClean="0"/>
+              <a:t>테이블의 </a:t>
+            </a:r>
+            <a:r>
+              <a:rPr lang="en-US" altLang="ko-KR" sz="2400" dirty="0" err="1" smtClean="0"/>
+              <a:t>c_id</a:t>
+            </a:r>
             <a:r>
               <a:rPr lang="en-US" altLang="ko-KR" sz="2400" dirty="0" smtClean="0"/>
               <a:t> </a:t>
             </a:r>
             <a:r>
-              <a:rPr lang="ko-KR" altLang="en-US" sz="2400" dirty="0" err="1" smtClean="0"/>
-              <a:t>파라미터</a:t>
-            </a:r>
-            <a:endParaRPr lang="en-US" altLang="ko-KR" sz="2400" dirty="0" smtClean="0"/>
+              <a:rPr lang="ko-KR" altLang="en-US" sz="2400" dirty="0" smtClean="0"/>
+              <a:t>와 비교하여 해당하는 사람의 이름을 출력하는 함수를 작성 하시오</a:t>
+            </a:r>
+            <a:r>
+              <a:rPr lang="en-US" altLang="ko-KR" sz="2400" dirty="0" smtClean="0"/>
+              <a:t>.</a:t>
+            </a:r>
           </a:p>
           <a:p>
             <a:pPr marL="0" indent="0">
               <a:buNone/>
             </a:pPr>
+            <a:endParaRPr lang="en-US" altLang="ko-KR" sz="2400" dirty="0"/>
+          </a:p>
+          <a:p>
+            <a:pPr marL="0" indent="0">
+              <a:buNone/>
+            </a:pPr>
+            <a:r>
+              <a:rPr lang="ko-KR" altLang="en-US" sz="2400" dirty="0" smtClean="0"/>
+              <a:t>실습 </a:t>
+            </a:r>
             <a:r>
               <a:rPr lang="en-US" altLang="ko-KR" sz="2400" dirty="0" smtClean="0"/>
-              <a:t>)</a:t>
-            </a:r>
-          </a:p>
-          <a:p>
-            <a:pPr marL="0" indent="0">
-              <a:buNone/>
-            </a:pPr>
-            <a:r>
-              <a:rPr lang="en-US" altLang="ko-KR" sz="2400" dirty="0" smtClean="0"/>
-              <a:t>BEGIN</a:t>
-            </a:r>
-          </a:p>
-          <a:p>
-            <a:pPr marL="0" indent="0">
-              <a:buNone/>
-            </a:pPr>
-            <a:r>
-              <a:rPr lang="en-US" altLang="ko-KR" sz="2400" dirty="0"/>
-              <a:t> </a:t>
+              <a:t>3. </a:t>
+            </a:r>
+            <a:r>
+              <a:rPr lang="en-US" altLang="ko-KR" sz="2400" dirty="0" err="1" smtClean="0"/>
+              <a:t>dept_nm</a:t>
             </a:r>
             <a:r>
               <a:rPr lang="en-US" altLang="ko-KR" sz="2400" dirty="0" smtClean="0"/>
@@ -8679,40 +8689,96 @@
             </a:r>
             <a:r>
               <a:rPr lang="ko-KR" altLang="en-US" sz="2400" dirty="0" smtClean="0"/>
-              <a:t>내용</a:t>
-            </a:r>
-            <a:endParaRPr lang="en-US" altLang="ko-KR" sz="2400" dirty="0" smtClean="0"/>
+              <a:t>인자를</a:t>
+            </a:r>
+            <a:r>
+              <a:rPr lang="en-US" altLang="ko-KR" sz="2400" dirty="0" smtClean="0"/>
+              <a:t>(varchar(20))</a:t>
+            </a:r>
+            <a:r>
+              <a:rPr lang="ko-KR" altLang="en-US" sz="2400" dirty="0" smtClean="0"/>
+              <a:t> 받아 부서에 해당하는 사람이 몇 명인지 </a:t>
+            </a:r>
+            <a:r>
+              <a:rPr lang="en-US" altLang="ko-KR" sz="2400" dirty="0" err="1" smtClean="0"/>
+              <a:t>emp</a:t>
+            </a:r>
+            <a:r>
+              <a:rPr lang="en-US" altLang="ko-KR" sz="2400" dirty="0" smtClean="0"/>
+              <a:t> </a:t>
+            </a:r>
+            <a:r>
+              <a:rPr lang="ko-KR" altLang="en-US" sz="2400" dirty="0" smtClean="0"/>
+              <a:t>테이블에서 조회 하는 함수를 작성 하시오</a:t>
+            </a:r>
+            <a:r>
+              <a:rPr lang="en-US" altLang="ko-KR" sz="2400" dirty="0" smtClean="0"/>
+              <a:t>.</a:t>
+            </a:r>
           </a:p>
           <a:p>
             <a:pPr marL="0" indent="0">
               <a:buNone/>
             </a:pPr>
+            <a:endParaRPr lang="en-US" altLang="ko-KR" sz="2400" dirty="0"/>
+          </a:p>
+          <a:p>
+            <a:pPr marL="0" indent="0">
+              <a:buNone/>
+            </a:pPr>
+            <a:r>
+              <a:rPr lang="ko-KR" altLang="en-US" sz="2400" dirty="0" smtClean="0"/>
+              <a:t>실습 </a:t>
+            </a:r>
             <a:r>
               <a:rPr lang="en-US" altLang="ko-KR" sz="2400" dirty="0" smtClean="0"/>
-              <a:t>END //</a:t>
-            </a:r>
-          </a:p>
-          <a:p>
-            <a:pPr marL="0" indent="0">
-              <a:buNone/>
-            </a:pPr>
+              <a:t>4. “</a:t>
+            </a:r>
+            <a:r>
+              <a:rPr lang="ko-KR" altLang="en-US" sz="2400" dirty="0" smtClean="0"/>
+              <a:t>실습 </a:t>
+            </a:r>
             <a:r>
               <a:rPr lang="en-US" altLang="ko-KR" sz="2400" dirty="0" smtClean="0"/>
-              <a:t>DELIMITER ;</a:t>
-            </a:r>
+              <a:t>3”</a:t>
+            </a:r>
+            <a:r>
+              <a:rPr lang="ko-KR" altLang="en-US" sz="2400" dirty="0" smtClean="0"/>
+              <a:t>을 이용하여 부서명</a:t>
+            </a:r>
+            <a:r>
+              <a:rPr lang="en-US" altLang="ko-KR" sz="2400" dirty="0" smtClean="0"/>
+              <a:t>, </a:t>
+            </a:r>
+            <a:r>
+              <a:rPr lang="ko-KR" altLang="en-US" sz="2400" dirty="0" smtClean="0"/>
+              <a:t>인원수를 출력 하시오</a:t>
+            </a:r>
+            <a:r>
+              <a:rPr lang="en-US" altLang="ko-KR" sz="2400" dirty="0" smtClean="0"/>
+              <a:t>.</a:t>
+            </a:r>
+            <a:endParaRPr lang="en-US" altLang="ko-KR" sz="2400" dirty="0"/>
           </a:p>
         </p:txBody>
       </p:sp>
     </p:spTree>
     <p:extLst>
       <p:ext uri="{BB962C8B-B14F-4D97-AF65-F5344CB8AC3E}">
-        <p14:creationId xmlns:p14="http://schemas.microsoft.com/office/powerpoint/2010/main" val="1455071953"/>
+        <p14:creationId xmlns:p14="http://schemas.microsoft.com/office/powerpoint/2010/main" val="774514701"/>
       </p:ext>
     </p:extLst>
   </p:cSld>
   <p:clrMapOvr>
     <a:masterClrMapping/>
   </p:clrMapOvr>
+  <p:timing>
+    <p:tnLst>
+      <p:par>
+        <p:cTn id="1" dur="indefinite" restart="never" nodeType="tmRoot"/>
+      </p:par>
+    </p:tnLst>
+  </p:timing>
 </p:sld>
 </file>
 
@@ -8971,6 +9037,451 @@
               <a:buNone/>
             </a:pPr>
             <a:r>
+              <a:rPr lang="en-US" altLang="ko-KR" sz="2400" dirty="0" err="1" smtClean="0"/>
+              <a:t>Procdure</a:t>
+            </a:r>
+            <a:r>
+              <a:rPr lang="en-US" altLang="ko-KR" sz="2400" dirty="0" smtClean="0"/>
+              <a:t> (</a:t>
+            </a:r>
+            <a:r>
+              <a:rPr lang="ko-KR" altLang="en-US" sz="2400" dirty="0" smtClean="0"/>
+              <a:t>프로시저</a:t>
+            </a:r>
+            <a:r>
+              <a:rPr lang="en-US" altLang="ko-KR" sz="2400" dirty="0" smtClean="0"/>
+              <a:t>)</a:t>
+            </a:r>
+          </a:p>
+          <a:p>
+            <a:pPr marL="0" indent="0">
+              <a:buNone/>
+            </a:pPr>
+            <a:r>
+              <a:rPr lang="en-US" altLang="ko-KR" sz="2400" dirty="0"/>
+              <a:t> </a:t>
+            </a:r>
+            <a:r>
+              <a:rPr lang="en-US" altLang="ko-KR" sz="2400" dirty="0" smtClean="0"/>
+              <a:t>- </a:t>
+            </a:r>
+            <a:r>
+              <a:rPr lang="ko-KR" altLang="en-US" sz="2400" dirty="0" smtClean="0"/>
+              <a:t>여러 쿼리를 한번에 실행</a:t>
+            </a:r>
+            <a:endParaRPr lang="en-US" altLang="ko-KR" sz="2400" dirty="0" smtClean="0"/>
+          </a:p>
+          <a:p>
+            <a:pPr marL="0" indent="0">
+              <a:buNone/>
+            </a:pPr>
+            <a:r>
+              <a:rPr lang="en-US" altLang="ko-KR" sz="2400" dirty="0"/>
+              <a:t> </a:t>
+            </a:r>
+            <a:r>
+              <a:rPr lang="en-US" altLang="ko-KR" sz="2400" dirty="0" smtClean="0"/>
+              <a:t>- </a:t>
+            </a:r>
+            <a:r>
+              <a:rPr lang="ko-KR" altLang="en-US" sz="2400" dirty="0" err="1" smtClean="0"/>
+              <a:t>파라미터는</a:t>
+            </a:r>
+            <a:r>
+              <a:rPr lang="ko-KR" altLang="en-US" sz="2400" dirty="0" smtClean="0"/>
+              <a:t> 선택</a:t>
+            </a:r>
+            <a:endParaRPr lang="en-US" altLang="ko-KR" sz="2400" dirty="0" smtClean="0"/>
+          </a:p>
+          <a:p>
+            <a:pPr marL="0" indent="0">
+              <a:buNone/>
+            </a:pPr>
+            <a:r>
+              <a:rPr lang="en-US" altLang="ko-KR" sz="2400" dirty="0"/>
+              <a:t> </a:t>
+            </a:r>
+            <a:r>
+              <a:rPr lang="en-US" altLang="ko-KR" sz="2400" dirty="0" smtClean="0"/>
+              <a:t>- </a:t>
+            </a:r>
+            <a:r>
+              <a:rPr lang="ko-KR" altLang="en-US" sz="2400" dirty="0" smtClean="0"/>
+              <a:t>기본 유형</a:t>
+            </a:r>
+            <a:endParaRPr lang="en-US" altLang="ko-KR" sz="2400" dirty="0" smtClean="0"/>
+          </a:p>
+          <a:p>
+            <a:pPr marL="0" indent="0">
+              <a:buNone/>
+            </a:pPr>
+            <a:r>
+              <a:rPr lang="en-US" altLang="ko-KR" sz="2400" dirty="0" smtClean="0"/>
+              <a:t>DELIMITER //</a:t>
+            </a:r>
+          </a:p>
+          <a:p>
+            <a:pPr marL="0" indent="0">
+              <a:buNone/>
+            </a:pPr>
+            <a:r>
+              <a:rPr lang="en-US" altLang="ko-KR" sz="2400" dirty="0" smtClean="0"/>
+              <a:t>CREATE PROCEDURE </a:t>
+            </a:r>
+            <a:r>
+              <a:rPr lang="ko-KR" altLang="en-US" sz="2400" dirty="0" err="1" smtClean="0"/>
+              <a:t>프로시저명</a:t>
+            </a:r>
+            <a:r>
+              <a:rPr lang="en-US" altLang="ko-KR" sz="2400" dirty="0" smtClean="0"/>
+              <a:t>(</a:t>
+            </a:r>
+          </a:p>
+          <a:p>
+            <a:pPr marL="0" indent="0">
+              <a:buNone/>
+            </a:pPr>
+            <a:r>
+              <a:rPr lang="en-US" altLang="ko-KR" sz="2400" dirty="0" smtClean="0"/>
+              <a:t> </a:t>
+            </a:r>
+            <a:r>
+              <a:rPr lang="ko-KR" altLang="en-US" sz="2400" dirty="0" err="1" smtClean="0"/>
+              <a:t>파라미터</a:t>
+            </a:r>
+            <a:endParaRPr lang="en-US" altLang="ko-KR" sz="2400" dirty="0" smtClean="0"/>
+          </a:p>
+          <a:p>
+            <a:pPr marL="0" indent="0">
+              <a:buNone/>
+            </a:pPr>
+            <a:r>
+              <a:rPr lang="en-US" altLang="ko-KR" sz="2400" dirty="0" smtClean="0"/>
+              <a:t>)</a:t>
+            </a:r>
+          </a:p>
+          <a:p>
+            <a:pPr marL="0" indent="0">
+              <a:buNone/>
+            </a:pPr>
+            <a:r>
+              <a:rPr lang="en-US" altLang="ko-KR" sz="2400" dirty="0" smtClean="0"/>
+              <a:t>BEGIN</a:t>
+            </a:r>
+          </a:p>
+          <a:p>
+            <a:pPr marL="0" indent="0">
+              <a:buNone/>
+            </a:pPr>
+            <a:r>
+              <a:rPr lang="en-US" altLang="ko-KR" sz="2400" dirty="0"/>
+              <a:t> </a:t>
+            </a:r>
+            <a:r>
+              <a:rPr lang="en-US" altLang="ko-KR" sz="2400" dirty="0" smtClean="0"/>
+              <a:t> </a:t>
+            </a:r>
+            <a:r>
+              <a:rPr lang="ko-KR" altLang="en-US" sz="2400" dirty="0" smtClean="0"/>
+              <a:t>내용</a:t>
+            </a:r>
+            <a:endParaRPr lang="en-US" altLang="ko-KR" sz="2400" dirty="0" smtClean="0"/>
+          </a:p>
+          <a:p>
+            <a:pPr marL="0" indent="0">
+              <a:buNone/>
+            </a:pPr>
+            <a:r>
+              <a:rPr lang="en-US" altLang="ko-KR" sz="2400" dirty="0" smtClean="0"/>
+              <a:t>END //</a:t>
+            </a:r>
+          </a:p>
+          <a:p>
+            <a:pPr marL="0" indent="0">
+              <a:buNone/>
+            </a:pPr>
+            <a:r>
+              <a:rPr lang="en-US" altLang="ko-KR" sz="2400" dirty="0" smtClean="0"/>
+              <a:t>DELIMITER ;</a:t>
+            </a:r>
+          </a:p>
+        </p:txBody>
+      </p:sp>
+    </p:spTree>
+    <p:extLst>
+      <p:ext uri="{BB962C8B-B14F-4D97-AF65-F5344CB8AC3E}">
+        <p14:creationId xmlns:p14="http://schemas.microsoft.com/office/powerpoint/2010/main" val="1455071953"/>
+      </p:ext>
+    </p:extLst>
+  </p:cSld>
+  <p:clrMapOvr>
+    <a:masterClrMapping/>
+  </p:clrMapOvr>
+  <p:timing>
+    <p:tnLst>
+      <p:par>
+        <p:cTn id="1" dur="indefinite" restart="never" nodeType="tmRoot"/>
+      </p:par>
+    </p:tnLst>
+  </p:timing>
+</p:sld>
+</file>
+
+<file path=ppt/slides/slide12.xml><?xml version="1.0" encoding="utf-8"?>
+<p:sld xmlns:a="http://schemas.openxmlformats.org/drawingml/2006/main" xmlns:r="http://schemas.openxmlformats.org/officeDocument/2006/relationships" xmlns:p="http://schemas.openxmlformats.org/presentationml/2006/main">
+  <p:cSld>
+    <p:spTree>
+      <p:nvGrpSpPr>
+        <p:cNvPr id="1" name=""/>
+        <p:cNvGrpSpPr/>
+        <p:nvPr/>
+      </p:nvGrpSpPr>
+      <p:grpSpPr>
+        <a:xfrm>
+          <a:off x="0" y="0"/>
+          <a:ext cx="0" cy="0"/>
+          <a:chOff x="0" y="0"/>
+          <a:chExt cx="0" cy="0"/>
+        </a:xfrm>
+      </p:grpSpPr>
+      <p:sp>
+        <p:nvSpPr>
+          <p:cNvPr id="44" name="도형 17"/>
+          <p:cNvSpPr>
+            <a:spLocks/>
+          </p:cNvSpPr>
+          <p:nvPr/>
+        </p:nvSpPr>
+        <p:spPr>
+          <a:xfrm>
+            <a:off x="765868" y="316230"/>
+            <a:ext cx="1239314" cy="454292"/>
+          </a:xfrm>
+          <a:prstGeom prst="rect">
+            <a:avLst/>
+          </a:prstGeom>
+          <a:ln w="0">
+            <a:noFill/>
+            <a:prstDash/>
+          </a:ln>
+        </p:spPr>
+        <p:txBody>
+          <a:bodyPr vert="horz" wrap="none" lIns="91440" tIns="45720" rIns="91440" bIns="45720" numCol="1" anchor="t">
+            <a:spAutoFit/>
+          </a:bodyPr>
+          <a:lstStyle/>
+          <a:p>
+            <a:pPr marL="0" indent="0" latinLnBrk="0">
+              <a:lnSpc>
+                <a:spcPct val="150000"/>
+              </a:lnSpc>
+              <a:buFontTx/>
+              <a:buNone/>
+            </a:pPr>
+            <a:r>
+              <a:rPr lang="en-US" altLang="ko-KR" dirty="0" smtClean="0">
+                <a:solidFill>
+                  <a:schemeClr val="bg1"/>
+                </a:solidFill>
+              </a:rPr>
+              <a:t>Procedure</a:t>
+            </a:r>
+            <a:endParaRPr lang="ko-KR" altLang="en-US" dirty="0">
+              <a:solidFill>
+                <a:schemeClr val="bg1"/>
+              </a:solidFill>
+            </a:endParaRPr>
+          </a:p>
+        </p:txBody>
+      </p:sp>
+      <p:sp>
+        <p:nvSpPr>
+          <p:cNvPr id="4" name="내용 개체 틀 2"/>
+          <p:cNvSpPr txBox="1">
+            <a:spLocks/>
+          </p:cNvSpPr>
+          <p:nvPr/>
+        </p:nvSpPr>
+        <p:spPr>
+          <a:xfrm>
+            <a:off x="457200" y="1334192"/>
+            <a:ext cx="11222182" cy="4525963"/>
+          </a:xfrm>
+          <a:prstGeom prst="rect">
+            <a:avLst/>
+          </a:prstGeom>
+        </p:spPr>
+        <p:txBody>
+          <a:bodyPr/>
+          <a:lstStyle>
+            <a:lvl1pPr marL="228600" indent="-228600" algn="l" defTabSz="914400" rtl="0" eaLnBrk="1" latinLnBrk="1" hangingPunct="1">
+              <a:lnSpc>
+                <a:spcPct val="90000"/>
+              </a:lnSpc>
+              <a:spcBef>
+                <a:spcPts val="1000"/>
+              </a:spcBef>
+              <a:buFont typeface="Arial" panose="020B0604020202020204" pitchFamily="34" charset="0"/>
+              <a:buChar char="•"/>
+              <a:defRPr sz="2800" kern="1200">
+                <a:solidFill>
+                  <a:schemeClr val="tx1"/>
+                </a:solidFill>
+                <a:latin typeface="+mn-lt"/>
+                <a:ea typeface="+mn-ea"/>
+                <a:cs typeface="+mn-cs"/>
+              </a:defRPr>
+            </a:lvl1pPr>
+            <a:lvl2pPr marL="685800" indent="-228600" algn="l" defTabSz="914400" rtl="0" eaLnBrk="1" latinLnBrk="1" hangingPunct="1">
+              <a:lnSpc>
+                <a:spcPct val="90000"/>
+              </a:lnSpc>
+              <a:spcBef>
+                <a:spcPts val="500"/>
+              </a:spcBef>
+              <a:buFont typeface="Arial" panose="020B0604020202020204" pitchFamily="34" charset="0"/>
+              <a:buChar char="•"/>
+              <a:defRPr sz="2400" kern="1200">
+                <a:solidFill>
+                  <a:schemeClr val="tx1"/>
+                </a:solidFill>
+                <a:latin typeface="+mn-lt"/>
+                <a:ea typeface="+mn-ea"/>
+                <a:cs typeface="+mn-cs"/>
+              </a:defRPr>
+            </a:lvl2pPr>
+            <a:lvl3pPr marL="1143000" indent="-228600" algn="l" defTabSz="914400" rtl="0" eaLnBrk="1" latinLnBrk="1" hangingPunct="1">
+              <a:lnSpc>
+                <a:spcPct val="90000"/>
+              </a:lnSpc>
+              <a:spcBef>
+                <a:spcPts val="500"/>
+              </a:spcBef>
+              <a:buFont typeface="Arial" panose="020B0604020202020204" pitchFamily="34" charset="0"/>
+              <a:buChar char="•"/>
+              <a:defRPr sz="2000" kern="1200">
+                <a:solidFill>
+                  <a:schemeClr val="tx1"/>
+                </a:solidFill>
+                <a:latin typeface="+mn-lt"/>
+                <a:ea typeface="+mn-ea"/>
+                <a:cs typeface="+mn-cs"/>
+              </a:defRPr>
+            </a:lvl3pPr>
+            <a:lvl4pPr marL="1600200" indent="-228600" algn="l" defTabSz="914400" rtl="0" eaLnBrk="1" latinLnBrk="1" hangingPunct="1">
+              <a:lnSpc>
+                <a:spcPct val="90000"/>
+              </a:lnSpc>
+              <a:spcBef>
+                <a:spcPts val="500"/>
+              </a:spcBef>
+              <a:buFont typeface="Arial" panose="020B0604020202020204" pitchFamily="34" charset="0"/>
+              <a:buChar char="•"/>
+              <a:defRPr sz="1800" kern="1200">
+                <a:solidFill>
+                  <a:schemeClr val="tx1"/>
+                </a:solidFill>
+                <a:latin typeface="+mn-lt"/>
+                <a:ea typeface="+mn-ea"/>
+                <a:cs typeface="+mn-cs"/>
+              </a:defRPr>
+            </a:lvl4pPr>
+            <a:lvl5pPr marL="2057400" indent="-228600" algn="l" defTabSz="914400" rtl="0" eaLnBrk="1" latinLnBrk="1" hangingPunct="1">
+              <a:lnSpc>
+                <a:spcPct val="90000"/>
+              </a:lnSpc>
+              <a:spcBef>
+                <a:spcPts val="500"/>
+              </a:spcBef>
+              <a:buFont typeface="Arial" panose="020B0604020202020204" pitchFamily="34" charset="0"/>
+              <a:buChar char="•"/>
+              <a:defRPr sz="1800" kern="1200">
+                <a:solidFill>
+                  <a:schemeClr val="tx1"/>
+                </a:solidFill>
+                <a:latin typeface="+mn-lt"/>
+                <a:ea typeface="+mn-ea"/>
+                <a:cs typeface="+mn-cs"/>
+              </a:defRPr>
+            </a:lvl5pPr>
+            <a:lvl6pPr marL="2514600" indent="-228600" algn="l" defTabSz="914400" rtl="0" eaLnBrk="1" latinLnBrk="1" hangingPunct="1">
+              <a:lnSpc>
+                <a:spcPct val="90000"/>
+              </a:lnSpc>
+              <a:spcBef>
+                <a:spcPts val="500"/>
+              </a:spcBef>
+              <a:buFont typeface="Arial" panose="020B0604020202020204" pitchFamily="34" charset="0"/>
+              <a:buChar char="•"/>
+              <a:defRPr sz="1800" kern="1200">
+                <a:solidFill>
+                  <a:schemeClr val="tx1"/>
+                </a:solidFill>
+                <a:latin typeface="+mn-lt"/>
+                <a:ea typeface="+mn-ea"/>
+                <a:cs typeface="+mn-cs"/>
+              </a:defRPr>
+            </a:lvl6pPr>
+            <a:lvl7pPr marL="2971800" indent="-228600" algn="l" defTabSz="914400" rtl="0" eaLnBrk="1" latinLnBrk="1" hangingPunct="1">
+              <a:lnSpc>
+                <a:spcPct val="90000"/>
+              </a:lnSpc>
+              <a:spcBef>
+                <a:spcPts val="500"/>
+              </a:spcBef>
+              <a:buFont typeface="Arial" panose="020B0604020202020204" pitchFamily="34" charset="0"/>
+              <a:buChar char="•"/>
+              <a:defRPr sz="1800" kern="1200">
+                <a:solidFill>
+                  <a:schemeClr val="tx1"/>
+                </a:solidFill>
+                <a:latin typeface="+mn-lt"/>
+                <a:ea typeface="+mn-ea"/>
+                <a:cs typeface="+mn-cs"/>
+              </a:defRPr>
+            </a:lvl7pPr>
+            <a:lvl8pPr marL="3429000" indent="-228600" algn="l" defTabSz="914400" rtl="0" eaLnBrk="1" latinLnBrk="1" hangingPunct="1">
+              <a:lnSpc>
+                <a:spcPct val="90000"/>
+              </a:lnSpc>
+              <a:spcBef>
+                <a:spcPts val="500"/>
+              </a:spcBef>
+              <a:buFont typeface="Arial" panose="020B0604020202020204" pitchFamily="34" charset="0"/>
+              <a:buChar char="•"/>
+              <a:defRPr sz="1800" kern="1200">
+                <a:solidFill>
+                  <a:schemeClr val="tx1"/>
+                </a:solidFill>
+                <a:latin typeface="+mn-lt"/>
+                <a:ea typeface="+mn-ea"/>
+                <a:cs typeface="+mn-cs"/>
+              </a:defRPr>
+            </a:lvl8pPr>
+            <a:lvl9pPr marL="3886200" indent="-228600" algn="l" defTabSz="914400" rtl="0" eaLnBrk="1" latinLnBrk="1" hangingPunct="1">
+              <a:lnSpc>
+                <a:spcPct val="90000"/>
+              </a:lnSpc>
+              <a:spcBef>
+                <a:spcPts val="500"/>
+              </a:spcBef>
+              <a:buFont typeface="Arial" panose="020B0604020202020204" pitchFamily="34" charset="0"/>
+              <a:buChar char="•"/>
+              <a:defRPr sz="1800" kern="1200">
+                <a:solidFill>
+                  <a:schemeClr val="tx1"/>
+                </a:solidFill>
+                <a:latin typeface="+mn-lt"/>
+                <a:ea typeface="+mn-ea"/>
+                <a:cs typeface="+mn-cs"/>
+              </a:defRPr>
+            </a:lvl9pPr>
+          </a:lstStyle>
+          <a:p>
+            <a:pPr marL="0" indent="0">
+              <a:buNone/>
+            </a:pPr>
+            <a:r>
               <a:rPr lang="en-US" altLang="ko-KR" sz="2400" dirty="0" smtClean="0"/>
               <a:t> - </a:t>
             </a:r>
@@ -9147,10 +9658,17 @@
   <p:clrMapOvr>
     <a:masterClrMapping/>
   </p:clrMapOvr>
+  <p:timing>
+    <p:tnLst>
+      <p:par>
+        <p:cTn id="1" dur="indefinite" restart="never" nodeType="tmRoot"/>
+      </p:par>
+    </p:tnLst>
+  </p:timing>
 </p:sld>
 </file>
 
-<file path=ppt/slides/slide12.xml><?xml version="1.0" encoding="utf-8"?>
+<file path=ppt/slides/slide13.xml><?xml version="1.0" encoding="utf-8"?>
 <p:sld xmlns:a="http://schemas.openxmlformats.org/drawingml/2006/main" xmlns:r="http://schemas.openxmlformats.org/officeDocument/2006/relationships" xmlns:p="http://schemas.openxmlformats.org/presentationml/2006/main">
   <p:cSld>
     <p:spTree>
@@ -9454,10 +9972,17 @@
   <p:clrMapOvr>
     <a:masterClrMapping/>
   </p:clrMapOvr>
+  <p:timing>
+    <p:tnLst>
+      <p:par>
+        <p:cTn id="1" dur="indefinite" restart="never" nodeType="tmRoot"/>
+      </p:par>
+    </p:tnLst>
+  </p:timing>
 </p:sld>
 </file>
 
-<file path=ppt/slides/slide13.xml><?xml version="1.0" encoding="utf-8"?>
+<file path=ppt/slides/slide14.xml><?xml version="1.0" encoding="utf-8"?>
 <p:sld xmlns:a="http://schemas.openxmlformats.org/drawingml/2006/main" xmlns:r="http://schemas.openxmlformats.org/officeDocument/2006/relationships" xmlns:p="http://schemas.openxmlformats.org/presentationml/2006/main">
   <p:cSld>
     <p:spTree>
@@ -9485,7 +10010,7 @@
         <p:spPr>
           <a:xfrm>
             <a:off x="765868" y="316230"/>
-            <a:ext cx="1082348" cy="454292"/>
+            <a:ext cx="1239314" cy="454292"/>
           </a:xfrm>
           <a:prstGeom prst="rect">
             <a:avLst/>
@@ -9514,7 +10039,7 @@
                   <a:schemeClr val="bg1"/>
                 </a:solidFill>
               </a:rPr>
-              <a:t>Function</a:t>
+              <a:t>Procedure</a:t>
             </a:r>
             <a:endParaRPr lang="ko-KR" altLang="en-US" dirty="0">
               <a:solidFill>
@@ -9526,7 +10051,7 @@
       </p:sp>
       <p:sp>
         <p:nvSpPr>
-          <p:cNvPr id="7" name="내용 개체 틀 2"/>
+          <p:cNvPr id="4" name="내용 개체 틀 2"/>
           <p:cNvSpPr txBox="1">
             <a:spLocks/>
           </p:cNvSpPr>
@@ -9713,6 +10238,722 @@
             </a:pPr>
             <a:r>
               <a:rPr lang="ko-KR" altLang="en-US" sz="2400" dirty="0" smtClean="0"/>
+              <a:t>작성 확인</a:t>
+            </a:r>
+            <a:endParaRPr lang="en-US" altLang="ko-KR" sz="2400" dirty="0" smtClean="0"/>
+          </a:p>
+          <a:p>
+            <a:pPr marL="0" indent="0">
+              <a:buNone/>
+            </a:pPr>
+            <a:r>
+              <a:rPr lang="en-US" altLang="ko-KR" sz="2400" dirty="0"/>
+              <a:t>SHOW procedure status;</a:t>
+            </a:r>
+          </a:p>
+          <a:p>
+            <a:pPr marL="0" indent="0">
+              <a:buNone/>
+            </a:pPr>
+            <a:endParaRPr lang="en-US" altLang="ko-KR" sz="2400" dirty="0"/>
+          </a:p>
+          <a:p>
+            <a:pPr marL="0" indent="0">
+              <a:buNone/>
+            </a:pPr>
+            <a:r>
+              <a:rPr lang="en-US" altLang="ko-KR" sz="2400" dirty="0"/>
+              <a:t>SELECT</a:t>
+            </a:r>
+          </a:p>
+          <a:p>
+            <a:pPr marL="0" indent="0">
+              <a:buNone/>
+            </a:pPr>
+            <a:r>
+              <a:rPr lang="en-US" altLang="ko-KR" sz="2400" dirty="0"/>
+              <a:t>ROUTINE_NAME, ROUTINE_TYPE, ROUTINE_SCHEMA </a:t>
+            </a:r>
+          </a:p>
+          <a:p>
+            <a:pPr marL="0" indent="0">
+              <a:buNone/>
+            </a:pPr>
+            <a:r>
+              <a:rPr lang="en-US" altLang="ko-KR" sz="2400" dirty="0"/>
+              <a:t>FROM</a:t>
+            </a:r>
+          </a:p>
+          <a:p>
+            <a:pPr marL="0" indent="0">
+              <a:buNone/>
+            </a:pPr>
+            <a:r>
+              <a:rPr lang="en-US" altLang="ko-KR" sz="2400" dirty="0"/>
+              <a:t>INFORMATION_SCHEMA.ROUTINES</a:t>
+            </a:r>
+          </a:p>
+          <a:p>
+            <a:pPr marL="0" indent="0">
+              <a:buNone/>
+            </a:pPr>
+            <a:r>
+              <a:rPr lang="en-US" altLang="ko-KR" sz="2400" dirty="0"/>
+              <a:t>WHERE ROUTINE_TYPE = 'PROCEDURE'</a:t>
+            </a:r>
+          </a:p>
+          <a:p>
+            <a:pPr marL="0" indent="0">
+              <a:buNone/>
+            </a:pPr>
+            <a:r>
+              <a:rPr lang="en-US" altLang="ko-KR" sz="2400" dirty="0"/>
+              <a:t>AND ROUTINE_SCHEMA = '</a:t>
+            </a:r>
+            <a:r>
+              <a:rPr lang="en-US" altLang="ko-KR" sz="2400" dirty="0" err="1"/>
+              <a:t>test_user</a:t>
+            </a:r>
+            <a:r>
+              <a:rPr lang="en-US" altLang="ko-KR" sz="2400" dirty="0"/>
+              <a:t>';</a:t>
+            </a:r>
+          </a:p>
+          <a:p>
+            <a:pPr marL="0" indent="0">
+              <a:buNone/>
+            </a:pPr>
+            <a:endParaRPr lang="en-US" altLang="ko-KR" sz="2400" dirty="0"/>
+          </a:p>
+        </p:txBody>
+      </p:sp>
+      <p:pic>
+        <p:nvPicPr>
+          <p:cNvPr id="2" name="그림 1"/>
+          <p:cNvPicPr>
+            <a:picLocks noChangeAspect="1"/>
+          </p:cNvPicPr>
+          <p:nvPr/>
+        </p:nvPicPr>
+        <p:blipFill>
+          <a:blip r:embed="rId2"/>
+          <a:stretch>
+            <a:fillRect/>
+          </a:stretch>
+        </p:blipFill>
+        <p:spPr>
+          <a:xfrm>
+            <a:off x="6238757" y="3597173"/>
+            <a:ext cx="5734785" cy="2920005"/>
+          </a:xfrm>
+          <a:prstGeom prst="rect">
+            <a:avLst/>
+          </a:prstGeom>
+        </p:spPr>
+      </p:pic>
+    </p:spTree>
+    <p:extLst>
+      <p:ext uri="{BB962C8B-B14F-4D97-AF65-F5344CB8AC3E}">
+        <p14:creationId xmlns:p14="http://schemas.microsoft.com/office/powerpoint/2010/main" val="916628639"/>
+      </p:ext>
+    </p:extLst>
+  </p:cSld>
+  <p:clrMapOvr>
+    <a:masterClrMapping/>
+  </p:clrMapOvr>
+  <p:timing>
+    <p:tnLst>
+      <p:par>
+        <p:cTn id="1" dur="indefinite" restart="never" nodeType="tmRoot"/>
+      </p:par>
+    </p:tnLst>
+  </p:timing>
+</p:sld>
+</file>
+
+<file path=ppt/slides/slide15.xml><?xml version="1.0" encoding="utf-8"?>
+<p:sld xmlns:a="http://schemas.openxmlformats.org/drawingml/2006/main" xmlns:r="http://schemas.openxmlformats.org/officeDocument/2006/relationships" xmlns:p="http://schemas.openxmlformats.org/presentationml/2006/main">
+  <p:cSld>
+    <p:spTree>
+      <p:nvGrpSpPr>
+        <p:cNvPr id="1" name=""/>
+        <p:cNvGrpSpPr/>
+        <p:nvPr/>
+      </p:nvGrpSpPr>
+      <p:grpSpPr>
+        <a:xfrm>
+          <a:off x="0" y="0"/>
+          <a:ext cx="0" cy="0"/>
+          <a:chOff x="0" y="0"/>
+          <a:chExt cx="0" cy="0"/>
+        </a:xfrm>
+      </p:grpSpPr>
+      <p:sp>
+        <p:nvSpPr>
+          <p:cNvPr id="44" name="도형 17"/>
+          <p:cNvSpPr>
+            <a:spLocks/>
+          </p:cNvSpPr>
+          <p:nvPr/>
+        </p:nvSpPr>
+        <p:spPr>
+          <a:xfrm>
+            <a:off x="765868" y="316230"/>
+            <a:ext cx="1239314" cy="454292"/>
+          </a:xfrm>
+          <a:prstGeom prst="rect">
+            <a:avLst/>
+          </a:prstGeom>
+          <a:ln w="0">
+            <a:noFill/>
+            <a:prstDash/>
+          </a:ln>
+        </p:spPr>
+        <p:txBody>
+          <a:bodyPr vert="horz" wrap="none" lIns="91440" tIns="45720" rIns="91440" bIns="45720" numCol="1" anchor="t">
+            <a:spAutoFit/>
+          </a:bodyPr>
+          <a:lstStyle/>
+          <a:p>
+            <a:pPr marL="0" indent="0" latinLnBrk="0">
+              <a:lnSpc>
+                <a:spcPct val="150000"/>
+              </a:lnSpc>
+              <a:buFontTx/>
+              <a:buNone/>
+            </a:pPr>
+            <a:r>
+              <a:rPr lang="en-US" altLang="ko-KR" dirty="0" smtClean="0">
+                <a:solidFill>
+                  <a:schemeClr val="bg1"/>
+                </a:solidFill>
+              </a:rPr>
+              <a:t>Procedure</a:t>
+            </a:r>
+            <a:endParaRPr lang="ko-KR" altLang="en-US" dirty="0">
+              <a:solidFill>
+                <a:schemeClr val="bg1"/>
+              </a:solidFill>
+            </a:endParaRPr>
+          </a:p>
+        </p:txBody>
+      </p:sp>
+      <p:sp>
+        <p:nvSpPr>
+          <p:cNvPr id="4" name="내용 개체 틀 2"/>
+          <p:cNvSpPr txBox="1">
+            <a:spLocks/>
+          </p:cNvSpPr>
+          <p:nvPr/>
+        </p:nvSpPr>
+        <p:spPr>
+          <a:xfrm>
+            <a:off x="457200" y="1334192"/>
+            <a:ext cx="11222182" cy="4525963"/>
+          </a:xfrm>
+          <a:prstGeom prst="rect">
+            <a:avLst/>
+          </a:prstGeom>
+        </p:spPr>
+        <p:txBody>
+          <a:bodyPr/>
+          <a:lstStyle>
+            <a:lvl1pPr marL="228600" indent="-228600" algn="l" defTabSz="914400" rtl="0" eaLnBrk="1" latinLnBrk="1" hangingPunct="1">
+              <a:lnSpc>
+                <a:spcPct val="90000"/>
+              </a:lnSpc>
+              <a:spcBef>
+                <a:spcPts val="1000"/>
+              </a:spcBef>
+              <a:buFont typeface="Arial" panose="020B0604020202020204" pitchFamily="34" charset="0"/>
+              <a:buChar char="•"/>
+              <a:defRPr sz="2800" kern="1200">
+                <a:solidFill>
+                  <a:schemeClr val="tx1"/>
+                </a:solidFill>
+                <a:latin typeface="+mn-lt"/>
+                <a:ea typeface="+mn-ea"/>
+                <a:cs typeface="+mn-cs"/>
+              </a:defRPr>
+            </a:lvl1pPr>
+            <a:lvl2pPr marL="685800" indent="-228600" algn="l" defTabSz="914400" rtl="0" eaLnBrk="1" latinLnBrk="1" hangingPunct="1">
+              <a:lnSpc>
+                <a:spcPct val="90000"/>
+              </a:lnSpc>
+              <a:spcBef>
+                <a:spcPts val="500"/>
+              </a:spcBef>
+              <a:buFont typeface="Arial" panose="020B0604020202020204" pitchFamily="34" charset="0"/>
+              <a:buChar char="•"/>
+              <a:defRPr sz="2400" kern="1200">
+                <a:solidFill>
+                  <a:schemeClr val="tx1"/>
+                </a:solidFill>
+                <a:latin typeface="+mn-lt"/>
+                <a:ea typeface="+mn-ea"/>
+                <a:cs typeface="+mn-cs"/>
+              </a:defRPr>
+            </a:lvl2pPr>
+            <a:lvl3pPr marL="1143000" indent="-228600" algn="l" defTabSz="914400" rtl="0" eaLnBrk="1" latinLnBrk="1" hangingPunct="1">
+              <a:lnSpc>
+                <a:spcPct val="90000"/>
+              </a:lnSpc>
+              <a:spcBef>
+                <a:spcPts val="500"/>
+              </a:spcBef>
+              <a:buFont typeface="Arial" panose="020B0604020202020204" pitchFamily="34" charset="0"/>
+              <a:buChar char="•"/>
+              <a:defRPr sz="2000" kern="1200">
+                <a:solidFill>
+                  <a:schemeClr val="tx1"/>
+                </a:solidFill>
+                <a:latin typeface="+mn-lt"/>
+                <a:ea typeface="+mn-ea"/>
+                <a:cs typeface="+mn-cs"/>
+              </a:defRPr>
+            </a:lvl3pPr>
+            <a:lvl4pPr marL="1600200" indent="-228600" algn="l" defTabSz="914400" rtl="0" eaLnBrk="1" latinLnBrk="1" hangingPunct="1">
+              <a:lnSpc>
+                <a:spcPct val="90000"/>
+              </a:lnSpc>
+              <a:spcBef>
+                <a:spcPts val="500"/>
+              </a:spcBef>
+              <a:buFont typeface="Arial" panose="020B0604020202020204" pitchFamily="34" charset="0"/>
+              <a:buChar char="•"/>
+              <a:defRPr sz="1800" kern="1200">
+                <a:solidFill>
+                  <a:schemeClr val="tx1"/>
+                </a:solidFill>
+                <a:latin typeface="+mn-lt"/>
+                <a:ea typeface="+mn-ea"/>
+                <a:cs typeface="+mn-cs"/>
+              </a:defRPr>
+            </a:lvl4pPr>
+            <a:lvl5pPr marL="2057400" indent="-228600" algn="l" defTabSz="914400" rtl="0" eaLnBrk="1" latinLnBrk="1" hangingPunct="1">
+              <a:lnSpc>
+                <a:spcPct val="90000"/>
+              </a:lnSpc>
+              <a:spcBef>
+                <a:spcPts val="500"/>
+              </a:spcBef>
+              <a:buFont typeface="Arial" panose="020B0604020202020204" pitchFamily="34" charset="0"/>
+              <a:buChar char="•"/>
+              <a:defRPr sz="1800" kern="1200">
+                <a:solidFill>
+                  <a:schemeClr val="tx1"/>
+                </a:solidFill>
+                <a:latin typeface="+mn-lt"/>
+                <a:ea typeface="+mn-ea"/>
+                <a:cs typeface="+mn-cs"/>
+              </a:defRPr>
+            </a:lvl5pPr>
+            <a:lvl6pPr marL="2514600" indent="-228600" algn="l" defTabSz="914400" rtl="0" eaLnBrk="1" latinLnBrk="1" hangingPunct="1">
+              <a:lnSpc>
+                <a:spcPct val="90000"/>
+              </a:lnSpc>
+              <a:spcBef>
+                <a:spcPts val="500"/>
+              </a:spcBef>
+              <a:buFont typeface="Arial" panose="020B0604020202020204" pitchFamily="34" charset="0"/>
+              <a:buChar char="•"/>
+              <a:defRPr sz="1800" kern="1200">
+                <a:solidFill>
+                  <a:schemeClr val="tx1"/>
+                </a:solidFill>
+                <a:latin typeface="+mn-lt"/>
+                <a:ea typeface="+mn-ea"/>
+                <a:cs typeface="+mn-cs"/>
+              </a:defRPr>
+            </a:lvl6pPr>
+            <a:lvl7pPr marL="2971800" indent="-228600" algn="l" defTabSz="914400" rtl="0" eaLnBrk="1" latinLnBrk="1" hangingPunct="1">
+              <a:lnSpc>
+                <a:spcPct val="90000"/>
+              </a:lnSpc>
+              <a:spcBef>
+                <a:spcPts val="500"/>
+              </a:spcBef>
+              <a:buFont typeface="Arial" panose="020B0604020202020204" pitchFamily="34" charset="0"/>
+              <a:buChar char="•"/>
+              <a:defRPr sz="1800" kern="1200">
+                <a:solidFill>
+                  <a:schemeClr val="tx1"/>
+                </a:solidFill>
+                <a:latin typeface="+mn-lt"/>
+                <a:ea typeface="+mn-ea"/>
+                <a:cs typeface="+mn-cs"/>
+              </a:defRPr>
+            </a:lvl7pPr>
+            <a:lvl8pPr marL="3429000" indent="-228600" algn="l" defTabSz="914400" rtl="0" eaLnBrk="1" latinLnBrk="1" hangingPunct="1">
+              <a:lnSpc>
+                <a:spcPct val="90000"/>
+              </a:lnSpc>
+              <a:spcBef>
+                <a:spcPts val="500"/>
+              </a:spcBef>
+              <a:buFont typeface="Arial" panose="020B0604020202020204" pitchFamily="34" charset="0"/>
+              <a:buChar char="•"/>
+              <a:defRPr sz="1800" kern="1200">
+                <a:solidFill>
+                  <a:schemeClr val="tx1"/>
+                </a:solidFill>
+                <a:latin typeface="+mn-lt"/>
+                <a:ea typeface="+mn-ea"/>
+                <a:cs typeface="+mn-cs"/>
+              </a:defRPr>
+            </a:lvl8pPr>
+            <a:lvl9pPr marL="3886200" indent="-228600" algn="l" defTabSz="914400" rtl="0" eaLnBrk="1" latinLnBrk="1" hangingPunct="1">
+              <a:lnSpc>
+                <a:spcPct val="90000"/>
+              </a:lnSpc>
+              <a:spcBef>
+                <a:spcPts val="500"/>
+              </a:spcBef>
+              <a:buFont typeface="Arial" panose="020B0604020202020204" pitchFamily="34" charset="0"/>
+              <a:buChar char="•"/>
+              <a:defRPr sz="1800" kern="1200">
+                <a:solidFill>
+                  <a:schemeClr val="tx1"/>
+                </a:solidFill>
+                <a:latin typeface="+mn-lt"/>
+                <a:ea typeface="+mn-ea"/>
+                <a:cs typeface="+mn-cs"/>
+              </a:defRPr>
+            </a:lvl9pPr>
+          </a:lstStyle>
+          <a:p>
+            <a:pPr marL="0" indent="0">
+              <a:buNone/>
+            </a:pPr>
+            <a:r>
+              <a:rPr lang="ko-KR" altLang="en-US" sz="2400" dirty="0" smtClean="0"/>
+              <a:t>프로시저 삭제</a:t>
+            </a:r>
+            <a:endParaRPr lang="en-US" altLang="ko-KR" sz="2400" dirty="0"/>
+          </a:p>
+          <a:p>
+            <a:pPr marL="0" indent="0">
+              <a:buNone/>
+            </a:pPr>
+            <a:r>
+              <a:rPr lang="en-US" altLang="ko-KR" sz="2400" dirty="0"/>
+              <a:t>drop procedure </a:t>
+            </a:r>
+            <a:r>
+              <a:rPr lang="ko-KR" altLang="en-US" sz="2400" dirty="0" err="1" smtClean="0"/>
+              <a:t>프로시저명</a:t>
+            </a:r>
+            <a:r>
+              <a:rPr lang="en-US" altLang="ko-KR" sz="2400" dirty="0" smtClean="0"/>
+              <a:t>;</a:t>
+            </a:r>
+          </a:p>
+          <a:p>
+            <a:pPr marL="0" indent="0">
+              <a:buNone/>
+            </a:pPr>
+            <a:endParaRPr lang="en-US" altLang="ko-KR" sz="2400" dirty="0"/>
+          </a:p>
+        </p:txBody>
+      </p:sp>
+      <p:pic>
+        <p:nvPicPr>
+          <p:cNvPr id="2" name="그림 1"/>
+          <p:cNvPicPr>
+            <a:picLocks noChangeAspect="1"/>
+          </p:cNvPicPr>
+          <p:nvPr/>
+        </p:nvPicPr>
+        <p:blipFill>
+          <a:blip r:embed="rId2"/>
+          <a:stretch>
+            <a:fillRect/>
+          </a:stretch>
+        </p:blipFill>
+        <p:spPr>
+          <a:xfrm>
+            <a:off x="4576304" y="1044296"/>
+            <a:ext cx="6155427" cy="5380619"/>
+          </a:xfrm>
+          <a:prstGeom prst="rect">
+            <a:avLst/>
+          </a:prstGeom>
+        </p:spPr>
+      </p:pic>
+    </p:spTree>
+    <p:extLst>
+      <p:ext uri="{BB962C8B-B14F-4D97-AF65-F5344CB8AC3E}">
+        <p14:creationId xmlns:p14="http://schemas.microsoft.com/office/powerpoint/2010/main" val="1406553332"/>
+      </p:ext>
+    </p:extLst>
+  </p:cSld>
+  <p:clrMapOvr>
+    <a:masterClrMapping/>
+  </p:clrMapOvr>
+  <p:timing>
+    <p:tnLst>
+      <p:par>
+        <p:cTn id="1" dur="indefinite" restart="never" nodeType="tmRoot"/>
+      </p:par>
+    </p:tnLst>
+  </p:timing>
+</p:sld>
+</file>
+
+<file path=ppt/slides/slide16.xml><?xml version="1.0" encoding="utf-8"?>
+<p:sld xmlns:a="http://schemas.openxmlformats.org/drawingml/2006/main" xmlns:r="http://schemas.openxmlformats.org/officeDocument/2006/relationships" xmlns:p="http://schemas.openxmlformats.org/presentationml/2006/main">
+  <p:cSld>
+    <p:spTree>
+      <p:nvGrpSpPr>
+        <p:cNvPr id="1" name=""/>
+        <p:cNvGrpSpPr/>
+        <p:nvPr/>
+      </p:nvGrpSpPr>
+      <p:grpSpPr>
+        <a:xfrm>
+          <a:off x="0" y="0"/>
+          <a:ext cx="0" cy="0"/>
+          <a:chOff x="0" y="0"/>
+          <a:chExt cx="0" cy="0"/>
+        </a:xfrm>
+      </p:grpSpPr>
+      <p:sp>
+        <p:nvSpPr>
+          <p:cNvPr id="44" name="도형 17"/>
+          <p:cNvSpPr>
+            <a:spLocks/>
+          </p:cNvSpPr>
+          <p:nvPr/>
+        </p:nvSpPr>
+        <p:spPr>
+          <a:xfrm>
+            <a:off x="765868" y="316230"/>
+            <a:ext cx="1239314" cy="454292"/>
+          </a:xfrm>
+          <a:prstGeom prst="rect">
+            <a:avLst/>
+          </a:prstGeom>
+          <a:ln w="0">
+            <a:noFill/>
+            <a:prstDash/>
+          </a:ln>
+        </p:spPr>
+        <p:txBody>
+          <a:bodyPr vert="horz" wrap="none" lIns="91440" tIns="45720" rIns="91440" bIns="45720" numCol="1" anchor="t">
+            <a:spAutoFit/>
+          </a:bodyPr>
+          <a:lstStyle/>
+          <a:p>
+            <a:pPr latinLnBrk="0">
+              <a:lnSpc>
+                <a:spcPct val="150000"/>
+              </a:lnSpc>
+            </a:pPr>
+            <a:r>
+              <a:rPr lang="en-US" altLang="ko-KR" dirty="0">
+                <a:solidFill>
+                  <a:schemeClr val="bg1"/>
+                </a:solidFill>
+              </a:rPr>
+              <a:t>Procedure</a:t>
+            </a:r>
+            <a:endParaRPr lang="ko-KR" altLang="en-US" dirty="0">
+              <a:solidFill>
+                <a:schemeClr val="bg1"/>
+              </a:solidFill>
+            </a:endParaRPr>
+          </a:p>
+        </p:txBody>
+      </p:sp>
+      <p:sp>
+        <p:nvSpPr>
+          <p:cNvPr id="7" name="내용 개체 틀 2"/>
+          <p:cNvSpPr txBox="1">
+            <a:spLocks/>
+          </p:cNvSpPr>
+          <p:nvPr/>
+        </p:nvSpPr>
+        <p:spPr>
+          <a:xfrm>
+            <a:off x="457200" y="1334192"/>
+            <a:ext cx="11222182" cy="4525963"/>
+          </a:xfrm>
+          <a:prstGeom prst="rect">
+            <a:avLst/>
+          </a:prstGeom>
+        </p:spPr>
+        <p:txBody>
+          <a:bodyPr/>
+          <a:lstStyle>
+            <a:lvl1pPr marL="228600" indent="-228600" algn="l" defTabSz="914400" rtl="0" eaLnBrk="1" latinLnBrk="1" hangingPunct="1">
+              <a:lnSpc>
+                <a:spcPct val="90000"/>
+              </a:lnSpc>
+              <a:spcBef>
+                <a:spcPts val="1000"/>
+              </a:spcBef>
+              <a:buFont typeface="Arial" panose="020B0604020202020204" pitchFamily="34" charset="0"/>
+              <a:buChar char="•"/>
+              <a:defRPr sz="2800" kern="1200">
+                <a:solidFill>
+                  <a:schemeClr val="tx1"/>
+                </a:solidFill>
+                <a:latin typeface="+mn-lt"/>
+                <a:ea typeface="+mn-ea"/>
+                <a:cs typeface="+mn-cs"/>
+              </a:defRPr>
+            </a:lvl1pPr>
+            <a:lvl2pPr marL="685800" indent="-228600" algn="l" defTabSz="914400" rtl="0" eaLnBrk="1" latinLnBrk="1" hangingPunct="1">
+              <a:lnSpc>
+                <a:spcPct val="90000"/>
+              </a:lnSpc>
+              <a:spcBef>
+                <a:spcPts val="500"/>
+              </a:spcBef>
+              <a:buFont typeface="Arial" panose="020B0604020202020204" pitchFamily="34" charset="0"/>
+              <a:buChar char="•"/>
+              <a:defRPr sz="2400" kern="1200">
+                <a:solidFill>
+                  <a:schemeClr val="tx1"/>
+                </a:solidFill>
+                <a:latin typeface="+mn-lt"/>
+                <a:ea typeface="+mn-ea"/>
+                <a:cs typeface="+mn-cs"/>
+              </a:defRPr>
+            </a:lvl2pPr>
+            <a:lvl3pPr marL="1143000" indent="-228600" algn="l" defTabSz="914400" rtl="0" eaLnBrk="1" latinLnBrk="1" hangingPunct="1">
+              <a:lnSpc>
+                <a:spcPct val="90000"/>
+              </a:lnSpc>
+              <a:spcBef>
+                <a:spcPts val="500"/>
+              </a:spcBef>
+              <a:buFont typeface="Arial" panose="020B0604020202020204" pitchFamily="34" charset="0"/>
+              <a:buChar char="•"/>
+              <a:defRPr sz="2000" kern="1200">
+                <a:solidFill>
+                  <a:schemeClr val="tx1"/>
+                </a:solidFill>
+                <a:latin typeface="+mn-lt"/>
+                <a:ea typeface="+mn-ea"/>
+                <a:cs typeface="+mn-cs"/>
+              </a:defRPr>
+            </a:lvl3pPr>
+            <a:lvl4pPr marL="1600200" indent="-228600" algn="l" defTabSz="914400" rtl="0" eaLnBrk="1" latinLnBrk="1" hangingPunct="1">
+              <a:lnSpc>
+                <a:spcPct val="90000"/>
+              </a:lnSpc>
+              <a:spcBef>
+                <a:spcPts val="500"/>
+              </a:spcBef>
+              <a:buFont typeface="Arial" panose="020B0604020202020204" pitchFamily="34" charset="0"/>
+              <a:buChar char="•"/>
+              <a:defRPr sz="1800" kern="1200">
+                <a:solidFill>
+                  <a:schemeClr val="tx1"/>
+                </a:solidFill>
+                <a:latin typeface="+mn-lt"/>
+                <a:ea typeface="+mn-ea"/>
+                <a:cs typeface="+mn-cs"/>
+              </a:defRPr>
+            </a:lvl4pPr>
+            <a:lvl5pPr marL="2057400" indent="-228600" algn="l" defTabSz="914400" rtl="0" eaLnBrk="1" latinLnBrk="1" hangingPunct="1">
+              <a:lnSpc>
+                <a:spcPct val="90000"/>
+              </a:lnSpc>
+              <a:spcBef>
+                <a:spcPts val="500"/>
+              </a:spcBef>
+              <a:buFont typeface="Arial" panose="020B0604020202020204" pitchFamily="34" charset="0"/>
+              <a:buChar char="•"/>
+              <a:defRPr sz="1800" kern="1200">
+                <a:solidFill>
+                  <a:schemeClr val="tx1"/>
+                </a:solidFill>
+                <a:latin typeface="+mn-lt"/>
+                <a:ea typeface="+mn-ea"/>
+                <a:cs typeface="+mn-cs"/>
+              </a:defRPr>
+            </a:lvl5pPr>
+            <a:lvl6pPr marL="2514600" indent="-228600" algn="l" defTabSz="914400" rtl="0" eaLnBrk="1" latinLnBrk="1" hangingPunct="1">
+              <a:lnSpc>
+                <a:spcPct val="90000"/>
+              </a:lnSpc>
+              <a:spcBef>
+                <a:spcPts val="500"/>
+              </a:spcBef>
+              <a:buFont typeface="Arial" panose="020B0604020202020204" pitchFamily="34" charset="0"/>
+              <a:buChar char="•"/>
+              <a:defRPr sz="1800" kern="1200">
+                <a:solidFill>
+                  <a:schemeClr val="tx1"/>
+                </a:solidFill>
+                <a:latin typeface="+mn-lt"/>
+                <a:ea typeface="+mn-ea"/>
+                <a:cs typeface="+mn-cs"/>
+              </a:defRPr>
+            </a:lvl6pPr>
+            <a:lvl7pPr marL="2971800" indent="-228600" algn="l" defTabSz="914400" rtl="0" eaLnBrk="1" latinLnBrk="1" hangingPunct="1">
+              <a:lnSpc>
+                <a:spcPct val="90000"/>
+              </a:lnSpc>
+              <a:spcBef>
+                <a:spcPts val="500"/>
+              </a:spcBef>
+              <a:buFont typeface="Arial" panose="020B0604020202020204" pitchFamily="34" charset="0"/>
+              <a:buChar char="•"/>
+              <a:defRPr sz="1800" kern="1200">
+                <a:solidFill>
+                  <a:schemeClr val="tx1"/>
+                </a:solidFill>
+                <a:latin typeface="+mn-lt"/>
+                <a:ea typeface="+mn-ea"/>
+                <a:cs typeface="+mn-cs"/>
+              </a:defRPr>
+            </a:lvl7pPr>
+            <a:lvl8pPr marL="3429000" indent="-228600" algn="l" defTabSz="914400" rtl="0" eaLnBrk="1" latinLnBrk="1" hangingPunct="1">
+              <a:lnSpc>
+                <a:spcPct val="90000"/>
+              </a:lnSpc>
+              <a:spcBef>
+                <a:spcPts val="500"/>
+              </a:spcBef>
+              <a:buFont typeface="Arial" panose="020B0604020202020204" pitchFamily="34" charset="0"/>
+              <a:buChar char="•"/>
+              <a:defRPr sz="1800" kern="1200">
+                <a:solidFill>
+                  <a:schemeClr val="tx1"/>
+                </a:solidFill>
+                <a:latin typeface="+mn-lt"/>
+                <a:ea typeface="+mn-ea"/>
+                <a:cs typeface="+mn-cs"/>
+              </a:defRPr>
+            </a:lvl8pPr>
+            <a:lvl9pPr marL="3886200" indent="-228600" algn="l" defTabSz="914400" rtl="0" eaLnBrk="1" latinLnBrk="1" hangingPunct="1">
+              <a:lnSpc>
+                <a:spcPct val="90000"/>
+              </a:lnSpc>
+              <a:spcBef>
+                <a:spcPts val="500"/>
+              </a:spcBef>
+              <a:buFont typeface="Arial" panose="020B0604020202020204" pitchFamily="34" charset="0"/>
+              <a:buChar char="•"/>
+              <a:defRPr sz="1800" kern="1200">
+                <a:solidFill>
+                  <a:schemeClr val="tx1"/>
+                </a:solidFill>
+                <a:latin typeface="+mn-lt"/>
+                <a:ea typeface="+mn-ea"/>
+                <a:cs typeface="+mn-cs"/>
+              </a:defRPr>
+            </a:lvl9pPr>
+          </a:lstStyle>
+          <a:p>
+            <a:pPr marL="0" indent="0">
+              <a:buNone/>
+            </a:pPr>
+            <a:r>
+              <a:rPr lang="ko-KR" altLang="en-US" sz="2400" dirty="0" smtClean="0"/>
               <a:t>실습 </a:t>
             </a:r>
             <a:r>
@@ -9925,8 +11166,41 @@
               <a:t>테이블을 다시 생성하는 프로시저를 작성하시오</a:t>
             </a:r>
             <a:r>
-              <a:rPr lang="en-US" altLang="ko-KR" sz="2400" smtClean="0"/>
+              <a:rPr lang="en-US" altLang="ko-KR" sz="2400" dirty="0" smtClean="0"/>
               <a:t>.</a:t>
+            </a:r>
+          </a:p>
+          <a:p>
+            <a:pPr marL="0" indent="0">
+              <a:buNone/>
+            </a:pPr>
+            <a:r>
+              <a:rPr lang="en-US" altLang="ko-KR" sz="2400" dirty="0"/>
+              <a:t> (</a:t>
+            </a:r>
+            <a:r>
+              <a:rPr lang="ko-KR" altLang="en-US" sz="2400" dirty="0" smtClean="0"/>
+              <a:t>먼저 수행</a:t>
+            </a:r>
+            <a:r>
+              <a:rPr lang="en-US" altLang="ko-KR" sz="2400" dirty="0" smtClean="0"/>
+              <a:t> &gt; create table </a:t>
+            </a:r>
+            <a:r>
+              <a:rPr lang="en-US" altLang="ko-KR" sz="2400" dirty="0" err="1" smtClean="0"/>
+              <a:t>dept_back</a:t>
+            </a:r>
+            <a:r>
+              <a:rPr lang="en-US" altLang="ko-KR" sz="2400" dirty="0" smtClean="0"/>
+              <a:t> as select * from </a:t>
+            </a:r>
+            <a:r>
+              <a:rPr lang="en-US" altLang="ko-KR" sz="2400" dirty="0" err="1" smtClean="0"/>
+              <a:t>dept</a:t>
+            </a:r>
+            <a:r>
+              <a:rPr lang="en-US" altLang="ko-KR" sz="2400" dirty="0" smtClean="0"/>
+              <a:t>;)</a:t>
             </a:r>
             <a:endParaRPr lang="en-US" altLang="ko-KR" sz="2400" dirty="0"/>
           </a:p>
@@ -9942,6 +11216,13 @@
   <p:clrMapOvr>
     <a:masterClrMapping/>
   </p:clrMapOvr>
+  <p:timing>
+    <p:tnLst>
+      <p:par>
+        <p:cTn id="1" dur="indefinite" restart="never" nodeType="tmRoot"/>
+      </p:par>
+    </p:tnLst>
+  </p:timing>
 </p:sld>
 </file>
 
@@ -10375,6 +11656,13 @@
   <p:clrMapOvr>
     <a:masterClrMapping/>
   </p:clrMapOvr>
+  <p:timing>
+    <p:tnLst>
+      <p:par>
+        <p:cTn id="1" dur="indefinite" restart="never" nodeType="tmRoot"/>
+      </p:par>
+    </p:tnLst>
+  </p:timing>
 </p:sld>
 </file>
 
@@ -10852,6 +12140,13 @@
   <p:clrMapOvr>
     <a:masterClrMapping/>
   </p:clrMapOvr>
+  <p:timing>
+    <p:tnLst>
+      <p:par>
+        <p:cTn id="1" dur="indefinite" restart="never" nodeType="tmRoot"/>
+      </p:par>
+    </p:tnLst>
+  </p:timing>
 </p:sld>
 </file>
 
@@ -11246,6 +12541,13 @@
   <p:clrMapOvr>
     <a:masterClrMapping/>
   </p:clrMapOvr>
+  <p:timing>
+    <p:tnLst>
+      <p:par>
+        <p:cTn id="1" dur="indefinite" restart="never" nodeType="tmRoot"/>
+      </p:par>
+    </p:tnLst>
+  </p:timing>
 </p:sld>
 </file>
 
@@ -11618,6 +12920,13 @@
   <p:clrMapOvr>
     <a:masterClrMapping/>
   </p:clrMapOvr>
+  <p:timing>
+    <p:tnLst>
+      <p:par>
+        <p:cTn id="1" dur="indefinite" restart="never" nodeType="tmRoot"/>
+      </p:par>
+    </p:tnLst>
+  </p:timing>
 </p:sld>
 </file>
 
@@ -12069,6 +13378,13 @@
   <p:clrMapOvr>
     <a:masterClrMapping/>
   </p:clrMapOvr>
+  <p:timing>
+    <p:tnLst>
+      <p:par>
+        <p:cTn id="1" dur="indefinite" restart="never" nodeType="tmRoot"/>
+      </p:par>
+    </p:tnLst>
+  </p:timing>
 </p:sld>
 </file>
 
@@ -12425,6 +13741,13 @@
   <p:clrMapOvr>
     <a:masterClrMapping/>
   </p:clrMapOvr>
+  <p:timing>
+    <p:tnLst>
+      <p:par>
+        <p:cTn id="1" dur="indefinite" restart="never" nodeType="tmRoot"/>
+      </p:par>
+    </p:tnLst>
+  </p:timing>
 </p:sld>
 </file>
 
@@ -12798,6 +14121,13 @@
   <p:clrMapOvr>
     <a:masterClrMapping/>
   </p:clrMapOvr>
+  <p:timing>
+    <p:tnLst>
+      <p:par>
+        <p:cTn id="1" dur="indefinite" restart="never" nodeType="tmRoot"/>
+      </p:par>
+    </p:tnLst>
+  </p:timing>
 </p:sld>
 </file>
 
@@ -12878,7 +14208,7 @@
         </p:nvSpPr>
         <p:spPr>
           <a:xfrm>
-            <a:off x="457200" y="1334192"/>
+            <a:off x="457200" y="1346718"/>
             <a:ext cx="11222182" cy="4525963"/>
           </a:xfrm>
           <a:prstGeom prst="rect">
@@ -13057,229 +14387,54 @@
             </a:pPr>
             <a:r>
               <a:rPr lang="ko-KR" altLang="en-US" sz="2400" dirty="0" smtClean="0"/>
-              <a:t>실습 </a:t>
-            </a:r>
-            <a:r>
-              <a:rPr lang="en-US" altLang="ko-KR" sz="2400" dirty="0" smtClean="0"/>
-              <a:t>1. </a:t>
-            </a:r>
-            <a:r>
-              <a:rPr lang="ko-KR" altLang="en-US" sz="2400" dirty="0" err="1" smtClean="0"/>
-              <a:t>파라미터를</a:t>
-            </a:r>
-            <a:r>
-              <a:rPr lang="en-US" altLang="ko-KR" sz="2400" dirty="0" smtClean="0"/>
-              <a:t>(</a:t>
-            </a:r>
-            <a:r>
-              <a:rPr lang="en-US" altLang="ko-KR" sz="2400" dirty="0" err="1" smtClean="0"/>
-              <a:t>int</a:t>
-            </a:r>
-            <a:r>
-              <a:rPr lang="en-US" altLang="ko-KR" sz="2400" dirty="0" smtClean="0"/>
-              <a:t>)</a:t>
-            </a:r>
+              <a:t>주석</a:t>
+            </a:r>
+            <a:endParaRPr lang="en-US" altLang="ko-KR" sz="2400" dirty="0" smtClean="0"/>
+          </a:p>
+          <a:p>
+            <a:pPr marL="0" indent="0">
+              <a:buNone/>
+            </a:pPr>
             <a:r>
               <a:rPr lang="ko-KR" altLang="en-US" sz="2400" dirty="0" smtClean="0"/>
               <a:t> </a:t>
             </a:r>
             <a:r>
+              <a:rPr lang="en-US" altLang="ko-KR" sz="2400" dirty="0"/>
+              <a:t> </a:t>
+            </a:r>
+            <a:r>
               <a:rPr lang="en-US" altLang="ko-KR" sz="2400" dirty="0" smtClean="0"/>
-              <a:t>2</a:t>
+              <a:t>-- </a:t>
             </a:r>
             <a:r>
               <a:rPr lang="ko-KR" altLang="en-US" sz="2400" dirty="0" smtClean="0"/>
-              <a:t>개 받아 곱한 결과를 반환하는 함수를 작성 하시오</a:t>
+              <a:t>한 줄 주석</a:t>
+            </a:r>
+            <a:endParaRPr lang="en-US" altLang="ko-KR" sz="2400" dirty="0" smtClean="0"/>
+          </a:p>
+          <a:p>
+            <a:pPr marL="0" indent="0">
+              <a:buNone/>
+            </a:pPr>
+            <a:r>
+              <a:rPr lang="en-US" altLang="ko-KR" sz="2400" dirty="0"/>
+              <a:t> </a:t>
             </a:r>
             <a:r>
               <a:rPr lang="en-US" altLang="ko-KR" sz="2400" dirty="0" smtClean="0"/>
-              <a:t>.</a:t>
-            </a:r>
+              <a:t> /* */  </a:t>
+            </a:r>
+            <a:r>
+              <a:rPr lang="ko-KR" altLang="en-US" sz="2400" dirty="0" smtClean="0"/>
+              <a:t>한 줄 또는 여러 줄 주석</a:t>
+            </a:r>
+            <a:endParaRPr lang="en-US" altLang="ko-KR" sz="2400" dirty="0" smtClean="0"/>
           </a:p>
           <a:p>
             <a:pPr marL="0" indent="0">
               <a:buNone/>
             </a:pPr>
-            <a:endParaRPr lang="en-US" altLang="ko-KR" sz="2400" dirty="0"/>
-          </a:p>
-          <a:p>
-            <a:pPr marL="0" indent="0">
-              <a:buNone/>
-            </a:pPr>
-            <a:r>
-              <a:rPr lang="ko-KR" altLang="en-US" sz="2400" dirty="0" smtClean="0"/>
-              <a:t>실습 </a:t>
-            </a:r>
-            <a:r>
-              <a:rPr lang="en-US" altLang="ko-KR" sz="2400" dirty="0" smtClean="0"/>
-              <a:t>2. </a:t>
-            </a:r>
-            <a:r>
-              <a:rPr lang="ko-KR" altLang="en-US" sz="2400" dirty="0" err="1" smtClean="0"/>
-              <a:t>파라미터를</a:t>
-            </a:r>
-            <a:r>
-              <a:rPr lang="ko-KR" altLang="en-US" sz="2400" dirty="0" smtClean="0"/>
-              <a:t> </a:t>
-            </a:r>
-            <a:r>
-              <a:rPr lang="en-US" altLang="ko-KR" sz="2400" dirty="0" smtClean="0"/>
-              <a:t>1</a:t>
-            </a:r>
-            <a:r>
-              <a:rPr lang="ko-KR" altLang="en-US" sz="2400" dirty="0" smtClean="0"/>
-              <a:t>개</a:t>
-            </a:r>
-            <a:r>
-              <a:rPr lang="en-US" altLang="ko-KR" sz="2400" dirty="0" smtClean="0"/>
-              <a:t>(</a:t>
-            </a:r>
-            <a:r>
-              <a:rPr lang="en-US" altLang="ko-KR" sz="2400" dirty="0" err="1" smtClean="0"/>
-              <a:t>int</a:t>
-            </a:r>
-            <a:r>
-              <a:rPr lang="en-US" altLang="ko-KR" sz="2400" dirty="0" smtClean="0"/>
-              <a:t>)</a:t>
-            </a:r>
-            <a:r>
-              <a:rPr lang="ko-KR" altLang="en-US" sz="2400" dirty="0" smtClean="0"/>
-              <a:t> 받아 </a:t>
-            </a:r>
-            <a:r>
-              <a:rPr lang="en-US" altLang="ko-KR" sz="2400" dirty="0" smtClean="0"/>
-              <a:t>customer </a:t>
-            </a:r>
-            <a:r>
-              <a:rPr lang="ko-KR" altLang="en-US" sz="2400" dirty="0" smtClean="0"/>
-              <a:t>테이블의 </a:t>
-            </a:r>
-            <a:r>
-              <a:rPr lang="en-US" altLang="ko-KR" sz="2400" dirty="0" err="1" smtClean="0"/>
-              <a:t>c_id</a:t>
-            </a:r>
-            <a:r>
-              <a:rPr lang="en-US" altLang="ko-KR" sz="2400" dirty="0" smtClean="0"/>
-              <a:t> </a:t>
-            </a:r>
-            <a:r>
-              <a:rPr lang="ko-KR" altLang="en-US" sz="2400" dirty="0" smtClean="0"/>
-              <a:t>와 비교하여 해당하는 사람의 이름을 출력하는 함수를 작성 하시오</a:t>
-            </a:r>
-            <a:r>
-              <a:rPr lang="en-US" altLang="ko-KR" sz="2400" dirty="0" smtClean="0"/>
-              <a:t>.</a:t>
-            </a:r>
-          </a:p>
-          <a:p>
-            <a:pPr marL="0" indent="0">
-              <a:buNone/>
-            </a:pPr>
-            <a:endParaRPr lang="en-US" altLang="ko-KR" sz="2400" dirty="0"/>
-          </a:p>
-          <a:p>
-            <a:pPr marL="0" indent="0">
-              <a:buNone/>
-            </a:pPr>
-            <a:r>
-              <a:rPr lang="ko-KR" altLang="en-US" sz="2400" dirty="0" smtClean="0"/>
-              <a:t>실습 </a:t>
-            </a:r>
-            <a:r>
-              <a:rPr lang="en-US" altLang="ko-KR" sz="2400" dirty="0" smtClean="0"/>
-              <a:t>3. </a:t>
-            </a:r>
-            <a:r>
-              <a:rPr lang="en-US" altLang="ko-KR" sz="2400" dirty="0" err="1" smtClean="0"/>
-              <a:t>dept_nm</a:t>
-            </a:r>
-            <a:r>
-              <a:rPr lang="en-US" altLang="ko-KR" sz="2400" dirty="0" smtClean="0"/>
-              <a:t> </a:t>
-            </a:r>
-            <a:r>
-              <a:rPr lang="ko-KR" altLang="en-US" sz="2400" dirty="0" smtClean="0"/>
-              <a:t>인자를</a:t>
-            </a:r>
-            <a:r>
-              <a:rPr lang="en-US" altLang="ko-KR" sz="2400" dirty="0" smtClean="0"/>
-              <a:t>(</a:t>
-            </a:r>
-            <a:r>
-              <a:rPr lang="en-US" altLang="ko-KR" sz="2400" dirty="0" smtClean="0"/>
-              <a:t>varchar(20))</a:t>
-            </a:r>
-            <a:r>
-              <a:rPr lang="ko-KR" altLang="en-US" sz="2400" dirty="0" smtClean="0"/>
-              <a:t> </a:t>
-            </a:r>
-            <a:r>
-              <a:rPr lang="ko-KR" altLang="en-US" sz="2400" dirty="0" smtClean="0"/>
-              <a:t>받아 부서에 해당하는 사람이 몇 명인지 </a:t>
-            </a:r>
-            <a:r>
-              <a:rPr lang="en-US" altLang="ko-KR" sz="2400" dirty="0" err="1" smtClean="0"/>
-              <a:t>emp</a:t>
-            </a:r>
-            <a:r>
-              <a:rPr lang="en-US" altLang="ko-KR" sz="2400" dirty="0" smtClean="0"/>
-              <a:t> </a:t>
-            </a:r>
-            <a:r>
-              <a:rPr lang="ko-KR" altLang="en-US" sz="2400" dirty="0" smtClean="0"/>
-              <a:t>테이블에서 조회 하는 함수를 작성 하시오</a:t>
-            </a:r>
-            <a:r>
-              <a:rPr lang="en-US" altLang="ko-KR" sz="2400" dirty="0" smtClean="0"/>
-              <a:t>.</a:t>
-            </a:r>
-          </a:p>
-          <a:p>
-            <a:pPr marL="0" indent="0">
-              <a:buNone/>
-            </a:pPr>
-            <a:endParaRPr lang="en-US" altLang="ko-KR" sz="2400" dirty="0"/>
-          </a:p>
-          <a:p>
-            <a:pPr marL="0" indent="0">
-              <a:buNone/>
-            </a:pPr>
-            <a:r>
-              <a:rPr lang="ko-KR" altLang="en-US" sz="2400" dirty="0" smtClean="0"/>
-              <a:t>실습 </a:t>
-            </a:r>
-            <a:r>
-              <a:rPr lang="en-US" altLang="ko-KR" sz="2400" dirty="0" smtClean="0"/>
-              <a:t>4. “</a:t>
-            </a:r>
-            <a:r>
-              <a:rPr lang="ko-KR" altLang="en-US" sz="2400" dirty="0" smtClean="0"/>
-              <a:t>실습 </a:t>
-            </a:r>
-            <a:r>
-              <a:rPr lang="en-US" altLang="ko-KR" sz="2400" dirty="0" smtClean="0"/>
-              <a:t>3”</a:t>
-            </a:r>
-            <a:r>
-              <a:rPr lang="ko-KR" altLang="en-US" sz="2400" dirty="0" smtClean="0"/>
-              <a:t>을 이용하여 부서명</a:t>
-            </a:r>
-            <a:r>
-              <a:rPr lang="en-US" altLang="ko-KR" sz="2400" dirty="0" smtClean="0"/>
-              <a:t>, </a:t>
-            </a:r>
-            <a:r>
-              <a:rPr lang="ko-KR" altLang="en-US" sz="2400" dirty="0" smtClean="0"/>
-              <a:t>인원수를 </a:t>
-            </a:r>
-            <a:r>
-              <a:rPr lang="ko-KR" altLang="en-US" sz="2400" dirty="0" smtClean="0"/>
-              <a:t>출력 하시오</a:t>
-            </a:r>
-            <a:r>
-              <a:rPr lang="en-US" altLang="ko-KR" sz="2400" dirty="0" smtClean="0"/>
-              <a:t>.</a:t>
-            </a:r>
             <a:endParaRPr lang="en-US" altLang="ko-KR" sz="2400" dirty="0"/>
           </a:p>
         </p:txBody>
@@ -13287,13 +14442,20 @@
     </p:spTree>
     <p:extLst>
       <p:ext uri="{BB962C8B-B14F-4D97-AF65-F5344CB8AC3E}">
-        <p14:creationId xmlns:p14="http://schemas.microsoft.com/office/powerpoint/2010/main" val="774514701"/>
+        <p14:creationId xmlns:p14="http://schemas.microsoft.com/office/powerpoint/2010/main" val="2398010481"/>
       </p:ext>
     </p:extLst>
   </p:cSld>
   <p:clrMapOvr>
     <a:masterClrMapping/>
   </p:clrMapOvr>
+  <p:timing>
+    <p:tnLst>
+      <p:par>
+        <p:cTn id="1" dur="indefinite" restart="never" nodeType="tmRoot"/>
+      </p:par>
+    </p:tnLst>
+  </p:timing>
 </p:sld>
 </file>
 
